--- a/notes/05_rdfs/05bCWM.pptx
+++ b/notes/05_rdfs/05bCWM.pptx
@@ -5,10 +5,10 @@
     <p:sldMasterId id="2147483649" r:id="rId1"/>
   </p:sldMasterIdLst>
   <p:notesMasterIdLst>
-    <p:notesMasterId r:id="rId29"/>
+    <p:notesMasterId r:id="rId30"/>
   </p:notesMasterIdLst>
   <p:handoutMasterIdLst>
-    <p:handoutMasterId r:id="rId30"/>
+    <p:handoutMasterId r:id="rId31"/>
   </p:handoutMasterIdLst>
   <p:sldIdLst>
     <p:sldId id="256" r:id="rId2"/>
@@ -19,25 +19,26 @@
     <p:sldId id="442" r:id="rId7"/>
     <p:sldId id="436" r:id="rId8"/>
     <p:sldId id="441" r:id="rId9"/>
-    <p:sldId id="443" r:id="rId10"/>
-    <p:sldId id="444" r:id="rId11"/>
-    <p:sldId id="445" r:id="rId12"/>
-    <p:sldId id="446" r:id="rId13"/>
-    <p:sldId id="448" r:id="rId14"/>
-    <p:sldId id="447" r:id="rId15"/>
-    <p:sldId id="449" r:id="rId16"/>
-    <p:sldId id="458" r:id="rId17"/>
-    <p:sldId id="450" r:id="rId18"/>
-    <p:sldId id="437" r:id="rId19"/>
-    <p:sldId id="451" r:id="rId20"/>
-    <p:sldId id="438" r:id="rId21"/>
-    <p:sldId id="454" r:id="rId22"/>
-    <p:sldId id="452" r:id="rId23"/>
-    <p:sldId id="453" r:id="rId24"/>
-    <p:sldId id="455" r:id="rId25"/>
-    <p:sldId id="456" r:id="rId26"/>
-    <p:sldId id="457" r:id="rId27"/>
-    <p:sldId id="440" r:id="rId28"/>
+    <p:sldId id="459" r:id="rId10"/>
+    <p:sldId id="443" r:id="rId11"/>
+    <p:sldId id="444" r:id="rId12"/>
+    <p:sldId id="445" r:id="rId13"/>
+    <p:sldId id="446" r:id="rId14"/>
+    <p:sldId id="448" r:id="rId15"/>
+    <p:sldId id="447" r:id="rId16"/>
+    <p:sldId id="449" r:id="rId17"/>
+    <p:sldId id="458" r:id="rId18"/>
+    <p:sldId id="450" r:id="rId19"/>
+    <p:sldId id="437" r:id="rId20"/>
+    <p:sldId id="451" r:id="rId21"/>
+    <p:sldId id="438" r:id="rId22"/>
+    <p:sldId id="454" r:id="rId23"/>
+    <p:sldId id="452" r:id="rId24"/>
+    <p:sldId id="453" r:id="rId25"/>
+    <p:sldId id="455" r:id="rId26"/>
+    <p:sldId id="456" r:id="rId27"/>
+    <p:sldId id="457" r:id="rId28"/>
+    <p:sldId id="440" r:id="rId29"/>
   </p:sldIdLst>
   <p:sldSz cx="9144000" cy="6858000" type="screen4x3"/>
   <p:notesSz cx="9601200" cy="7315200"/>
@@ -584,10 +585,10 @@
           </a:ln>
           <a:extLst>
             <a:ext uri="{FAA26D3D-D897-4be2-8F04-BA451C77F1D7}">
-              <ma14:placeholderFlag xmlns:ma14="http://schemas.microsoft.com/office/mac/drawingml/2011/main" xmlns="" val="1"/>
+              <ma14:placeholderFlag xmlns="" xmlns:ma14="http://schemas.microsoft.com/office/mac/drawingml/2011/main" val="1"/>
             </a:ext>
             <a:ext uri="{909E8E84-426E-40dd-AFC4-6F175D3DCCD1}">
-              <a14:hiddenFill xmlns="" xmlns:a14="http://schemas.microsoft.com/office/drawing/2010/main">
+              <a14:hiddenFill xmlns:a14="http://schemas.microsoft.com/office/drawing/2010/main" xmlns="">
                 <a:solidFill>
                   <a:srgbClr val="FFFFFF"/>
                 </a:solidFill>
@@ -935,14 +936,14 @@
           <a:ln/>
           <a:extLst>
             <a:ext uri="{909E8E84-426E-40dd-AFC4-6F175D3DCCD1}">
-              <a14:hiddenFill xmlns="" xmlns:a14="http://schemas.microsoft.com/office/drawing/2010/main">
+              <a14:hiddenFill xmlns:a14="http://schemas.microsoft.com/office/drawing/2010/main" xmlns="">
                 <a:solidFill>
                   <a:srgbClr val="FFFFFF"/>
                 </a:solidFill>
               </a14:hiddenFill>
             </a:ext>
             <a:ext uri="{91240B29-F687-4f45-9708-019B960494DF}">
-              <a14:hiddenLine xmlns="" xmlns:a14="http://schemas.microsoft.com/office/drawing/2010/main" w="9525">
+              <a14:hiddenLine xmlns:a14="http://schemas.microsoft.com/office/drawing/2010/main" xmlns="" w="9525">
                 <a:solidFill>
                   <a:srgbClr val="000000"/>
                 </a:solidFill>
@@ -1107,17 +1108,17 @@
           <a:ln/>
           <a:extLst>
             <a:ext uri="{FAA26D3D-D897-4be2-8F04-BA451C77F1D7}">
-              <ma14:placeholderFlag xmlns:ma14="http://schemas.microsoft.com/office/mac/drawingml/2011/main" xmlns="" val="1"/>
+              <ma14:placeholderFlag xmlns="" xmlns:ma14="http://schemas.microsoft.com/office/mac/drawingml/2011/main" val="1"/>
             </a:ext>
             <a:ext uri="{909E8E84-426E-40dd-AFC4-6F175D3DCCD1}">
-              <a14:hiddenFill xmlns="" xmlns:a14="http://schemas.microsoft.com/office/drawing/2010/main">
+              <a14:hiddenFill xmlns:a14="http://schemas.microsoft.com/office/drawing/2010/main" xmlns="">
                 <a:solidFill>
                   <a:srgbClr val="FFFFFF"/>
                 </a:solidFill>
               </a14:hiddenFill>
             </a:ext>
             <a:ext uri="{91240B29-F687-4f45-9708-019B960494DF}">
-              <a14:hiddenLine xmlns="" xmlns:a14="http://schemas.microsoft.com/office/drawing/2010/main" w="9525">
+              <a14:hiddenLine xmlns:a14="http://schemas.microsoft.com/office/drawing/2010/main" xmlns="" w="9525">
                 <a:solidFill>
                   <a:srgbClr val="000000"/>
                 </a:solidFill>
@@ -1181,14 +1182,14 @@
           <a:ln/>
           <a:extLst>
             <a:ext uri="{909E8E84-426E-40dd-AFC4-6F175D3DCCD1}">
-              <a14:hiddenFill xmlns="" xmlns:a14="http://schemas.microsoft.com/office/drawing/2010/main">
+              <a14:hiddenFill xmlns:a14="http://schemas.microsoft.com/office/drawing/2010/main" xmlns="">
                 <a:solidFill>
                   <a:srgbClr val="FFFFFF"/>
                 </a:solidFill>
               </a14:hiddenFill>
             </a:ext>
             <a:ext uri="{91240B29-F687-4f45-9708-019B960494DF}">
-              <a14:hiddenLine xmlns="" xmlns:a14="http://schemas.microsoft.com/office/drawing/2010/main" w="9525">
+              <a14:hiddenLine xmlns:a14="http://schemas.microsoft.com/office/drawing/2010/main" xmlns="" w="9525">
                 <a:solidFill>
                   <a:srgbClr val="000000"/>
                 </a:solidFill>
@@ -1353,17 +1354,17 @@
           <a:ln/>
           <a:extLst>
             <a:ext uri="{FAA26D3D-D897-4be2-8F04-BA451C77F1D7}">
-              <ma14:placeholderFlag xmlns:ma14="http://schemas.microsoft.com/office/mac/drawingml/2011/main" xmlns="" val="1"/>
+              <ma14:placeholderFlag xmlns="" xmlns:ma14="http://schemas.microsoft.com/office/mac/drawingml/2011/main" val="1"/>
             </a:ext>
             <a:ext uri="{909E8E84-426E-40dd-AFC4-6F175D3DCCD1}">
-              <a14:hiddenFill xmlns="" xmlns:a14="http://schemas.microsoft.com/office/drawing/2010/main">
+              <a14:hiddenFill xmlns:a14="http://schemas.microsoft.com/office/drawing/2010/main" xmlns="">
                 <a:solidFill>
                   <a:srgbClr val="FFFFFF"/>
                 </a:solidFill>
               </a14:hiddenFill>
             </a:ext>
             <a:ext uri="{91240B29-F687-4f45-9708-019B960494DF}">
-              <a14:hiddenLine xmlns="" xmlns:a14="http://schemas.microsoft.com/office/drawing/2010/main" w="9525">
+              <a14:hiddenLine xmlns:a14="http://schemas.microsoft.com/office/drawing/2010/main" xmlns="" w="9525">
                 <a:solidFill>
                   <a:srgbClr val="000000"/>
                 </a:solidFill>
@@ -1388,6 +1389,216 @@
         </p:txBody>
       </p:sp>
     </p:spTree>
+  </p:cSld>
+  <p:clrMapOvr>
+    <a:masterClrMapping/>
+  </p:clrMapOvr>
+</p:notes>
+</file>
+
+<file path=ppt/notesSlides/notesSlide3.xml><?xml version="1.0" encoding="utf-8"?>
+<p:notes xmlns:a="http://schemas.openxmlformats.org/drawingml/2006/main" xmlns:r="http://schemas.openxmlformats.org/officeDocument/2006/relationships" xmlns:p="http://schemas.openxmlformats.org/presentationml/2006/main">
+  <p:cSld>
+    <p:spTree>
+      <p:nvGrpSpPr>
+        <p:cNvPr id="1" name=""/>
+        <p:cNvGrpSpPr/>
+        <p:nvPr/>
+      </p:nvGrpSpPr>
+      <p:grpSpPr>
+        <a:xfrm>
+          <a:off x="0" y="0"/>
+          <a:ext cx="0" cy="0"/>
+          <a:chOff x="0" y="0"/>
+          <a:chExt cx="0" cy="0"/>
+        </a:xfrm>
+      </p:grpSpPr>
+      <p:sp>
+        <p:nvSpPr>
+          <p:cNvPr id="2" name="Slide Image Placeholder 1"/>
+          <p:cNvSpPr>
+            <a:spLocks noGrp="1" noRot="1" noChangeAspect="1"/>
+          </p:cNvSpPr>
+          <p:nvPr>
+            <p:ph type="sldImg"/>
+          </p:nvPr>
+        </p:nvSpPr>
+        <p:spPr/>
+      </p:sp>
+      <p:sp>
+        <p:nvSpPr>
+          <p:cNvPr id="3" name="Notes Placeholder 2"/>
+          <p:cNvSpPr>
+            <a:spLocks noGrp="1"/>
+          </p:cNvSpPr>
+          <p:nvPr>
+            <p:ph type="body" idx="1"/>
+          </p:nvPr>
+        </p:nvSpPr>
+        <p:spPr/>
+        <p:txBody>
+          <a:bodyPr/>
+          <a:lstStyle/>
+          <a:p>
+            <a:r>
+              <a:rPr lang="en-US" dirty="0"/>
+              <a:t>:Sara is a :Human</a:t>
+            </a:r>
+          </a:p>
+          <a:p>
+            <a:r>
+              <a:rPr lang="en-US" dirty="0"/>
+              <a:t>:Alan is a :Man</a:t>
+            </a:r>
+          </a:p>
+          <a:p>
+            <a:r>
+              <a:rPr lang="en-US" dirty="0"/>
+              <a:t>:Alan is a :Human</a:t>
+            </a:r>
+          </a:p>
+        </p:txBody>
+      </p:sp>
+      <p:sp>
+        <p:nvSpPr>
+          <p:cNvPr id="4" name="Slide Number Placeholder 3"/>
+          <p:cNvSpPr>
+            <a:spLocks noGrp="1"/>
+          </p:cNvSpPr>
+          <p:nvPr>
+            <p:ph type="sldNum" sz="quarter" idx="5"/>
+          </p:nvPr>
+        </p:nvSpPr>
+        <p:spPr/>
+        <p:txBody>
+          <a:bodyPr/>
+          <a:lstStyle/>
+          <a:p>
+            <a:pPr>
+              <a:defRPr/>
+            </a:pPr>
+            <a:fld id="{D88213A7-3B0A-3E4E-A988-CAA99958B816}" type="slidenum">
+              <a:rPr lang="el-GR" smtClean="0"/>
+              <a:pPr>
+                <a:defRPr/>
+              </a:pPr>
+              <a:t>8</a:t>
+            </a:fld>
+            <a:endParaRPr lang="el-GR" dirty="0"/>
+          </a:p>
+        </p:txBody>
+      </p:sp>
+    </p:spTree>
+    <p:extLst>
+      <p:ext uri="{BB962C8B-B14F-4D97-AF65-F5344CB8AC3E}">
+        <p14:creationId xmlns:p14="http://schemas.microsoft.com/office/powerpoint/2010/main" val="797270286"/>
+      </p:ext>
+    </p:extLst>
+  </p:cSld>
+  <p:clrMapOvr>
+    <a:masterClrMapping/>
+  </p:clrMapOvr>
+</p:notes>
+</file>
+
+<file path=ppt/notesSlides/notesSlide4.xml><?xml version="1.0" encoding="utf-8"?>
+<p:notes xmlns:a="http://schemas.openxmlformats.org/drawingml/2006/main" xmlns:r="http://schemas.openxmlformats.org/officeDocument/2006/relationships" xmlns:p="http://schemas.openxmlformats.org/presentationml/2006/main">
+  <p:cSld>
+    <p:spTree>
+      <p:nvGrpSpPr>
+        <p:cNvPr id="1" name=""/>
+        <p:cNvGrpSpPr/>
+        <p:nvPr/>
+      </p:nvGrpSpPr>
+      <p:grpSpPr>
+        <a:xfrm>
+          <a:off x="0" y="0"/>
+          <a:ext cx="0" cy="0"/>
+          <a:chOff x="0" y="0"/>
+          <a:chExt cx="0" cy="0"/>
+        </a:xfrm>
+      </p:grpSpPr>
+      <p:sp>
+        <p:nvSpPr>
+          <p:cNvPr id="2" name="Slide Image Placeholder 1"/>
+          <p:cNvSpPr>
+            <a:spLocks noGrp="1" noRot="1" noChangeAspect="1"/>
+          </p:cNvSpPr>
+          <p:nvPr>
+            <p:ph type="sldImg"/>
+          </p:nvPr>
+        </p:nvSpPr>
+        <p:spPr/>
+      </p:sp>
+      <p:sp>
+        <p:nvSpPr>
+          <p:cNvPr id="3" name="Notes Placeholder 2"/>
+          <p:cNvSpPr>
+            <a:spLocks noGrp="1"/>
+          </p:cNvSpPr>
+          <p:nvPr>
+            <p:ph type="body" idx="1"/>
+          </p:nvPr>
+        </p:nvSpPr>
+        <p:spPr/>
+        <p:txBody>
+          <a:bodyPr/>
+          <a:lstStyle/>
+          <a:p>
+            <a:r>
+              <a:rPr lang="en-US" dirty="0"/>
+              <a:t>:Sara is a :Human</a:t>
+            </a:r>
+          </a:p>
+          <a:p>
+            <a:r>
+              <a:rPr lang="en-US" dirty="0"/>
+              <a:t>:Alan is a :Man</a:t>
+            </a:r>
+          </a:p>
+          <a:p>
+            <a:r>
+              <a:rPr lang="en-US" dirty="0"/>
+              <a:t>:Alan is a :Human</a:t>
+            </a:r>
+          </a:p>
+        </p:txBody>
+      </p:sp>
+      <p:sp>
+        <p:nvSpPr>
+          <p:cNvPr id="4" name="Slide Number Placeholder 3"/>
+          <p:cNvSpPr>
+            <a:spLocks noGrp="1"/>
+          </p:cNvSpPr>
+          <p:nvPr>
+            <p:ph type="sldNum" sz="quarter" idx="5"/>
+          </p:nvPr>
+        </p:nvSpPr>
+        <p:spPr/>
+        <p:txBody>
+          <a:bodyPr/>
+          <a:lstStyle/>
+          <a:p>
+            <a:pPr>
+              <a:defRPr/>
+            </a:pPr>
+            <a:fld id="{D88213A7-3B0A-3E4E-A988-CAA99958B816}" type="slidenum">
+              <a:rPr lang="el-GR" smtClean="0"/>
+              <a:pPr>
+                <a:defRPr/>
+              </a:pPr>
+              <a:t>9</a:t>
+            </a:fld>
+            <a:endParaRPr lang="el-GR" dirty="0"/>
+          </a:p>
+        </p:txBody>
+      </p:sp>
+    </p:spTree>
+    <p:extLst>
+      <p:ext uri="{BB962C8B-B14F-4D97-AF65-F5344CB8AC3E}">
+        <p14:creationId xmlns:p14="http://schemas.microsoft.com/office/powerpoint/2010/main" val="3965101944"/>
+      </p:ext>
+    </p:extLst>
   </p:cSld>
   <p:clrMapOvr>
     <a:masterClrMapping/>
@@ -3052,10 +3263,10 @@
           </a:ln>
           <a:extLst>
             <a:ext uri="{FAA26D3D-D897-4be2-8F04-BA451C77F1D7}">
-              <ma14:placeholderFlag xmlns:ma14="http://schemas.microsoft.com/office/mac/drawingml/2011/main" xmlns="" val="1"/>
+              <ma14:placeholderFlag xmlns="" xmlns:ma14="http://schemas.microsoft.com/office/mac/drawingml/2011/main" val="1"/>
             </a:ext>
             <a:ext uri="{91240B29-F687-4f45-9708-019B960494DF}">
-              <a14:hiddenLine xmlns="" xmlns:a14="http://schemas.microsoft.com/office/drawing/2010/main" w="9525">
+              <a14:hiddenLine xmlns:a14="http://schemas.microsoft.com/office/drawing/2010/main" xmlns="" w="9525">
                 <a:solidFill>
                   <a:srgbClr val="000000"/>
                 </a:solidFill>
@@ -3106,17 +3317,17 @@
           </a:ln>
           <a:extLst>
             <a:ext uri="{FAA26D3D-D897-4be2-8F04-BA451C77F1D7}">
-              <ma14:placeholderFlag xmlns:ma14="http://schemas.microsoft.com/office/mac/drawingml/2011/main" xmlns="" val="1"/>
+              <ma14:placeholderFlag xmlns="" xmlns:ma14="http://schemas.microsoft.com/office/mac/drawingml/2011/main" val="1"/>
             </a:ext>
             <a:ext uri="{909E8E84-426E-40dd-AFC4-6F175D3DCCD1}">
-              <a14:hiddenFill xmlns="" xmlns:a14="http://schemas.microsoft.com/office/drawing/2010/main">
+              <a14:hiddenFill xmlns:a14="http://schemas.microsoft.com/office/drawing/2010/main" xmlns="">
                 <a:solidFill>
                   <a:srgbClr val="FFFFFF"/>
                 </a:solidFill>
               </a14:hiddenFill>
             </a:ext>
             <a:ext uri="{91240B29-F687-4f45-9708-019B960494DF}">
-              <a14:hiddenLine xmlns="" xmlns:a14="http://schemas.microsoft.com/office/drawing/2010/main" w="9525">
+              <a14:hiddenLine xmlns:a14="http://schemas.microsoft.com/office/drawing/2010/main" xmlns="" w="9525">
                 <a:solidFill>
                   <a:srgbClr val="000000"/>
                 </a:solidFill>
@@ -3677,7 +3888,7 @@
           <a:noFill/>
           <a:extLst>
             <a:ext uri="{909E8E84-426E-40dd-AFC4-6F175D3DCCD1}">
-              <a14:hiddenFill xmlns="" xmlns:a14="http://schemas.microsoft.com/office/drawing/2010/main">
+              <a14:hiddenFill xmlns:a14="http://schemas.microsoft.com/office/drawing/2010/main" xmlns="">
                 <a:solidFill>
                   <a:srgbClr val="E1F4FF"/>
                 </a:solidFill>
@@ -3763,14 +3974,14 @@
           </a:ln>
           <a:extLst>
             <a:ext uri="{909E8E84-426E-40dd-AFC4-6F175D3DCCD1}">
-              <a14:hiddenFill xmlns="" xmlns:a14="http://schemas.microsoft.com/office/drawing/2010/main">
+              <a14:hiddenFill xmlns:a14="http://schemas.microsoft.com/office/drawing/2010/main" xmlns="">
                 <a:solidFill>
                   <a:srgbClr val="FFFFFF"/>
                 </a:solidFill>
               </a14:hiddenFill>
             </a:ext>
             <a:ext uri="{91240B29-F687-4f45-9708-019B960494DF}">
-              <a14:hiddenLine xmlns="" xmlns:a14="http://schemas.microsoft.com/office/drawing/2010/main" w="9525">
+              <a14:hiddenLine xmlns:a14="http://schemas.microsoft.com/office/drawing/2010/main" xmlns="" w="9525">
                 <a:solidFill>
                   <a:srgbClr val="000000"/>
                 </a:solidFill>
@@ -3809,6 +4020,270 @@
       </p:grpSpPr>
       <p:sp>
         <p:nvSpPr>
+          <p:cNvPr id="15361" name="Title 1"/>
+          <p:cNvSpPr>
+            <a:spLocks noGrp="1"/>
+          </p:cNvSpPr>
+          <p:nvPr>
+            <p:ph type="title"/>
+          </p:nvPr>
+        </p:nvSpPr>
+        <p:spPr/>
+        <p:txBody>
+          <a:bodyPr/>
+          <a:lstStyle/>
+          <a:p>
+            <a:r>
+              <a:rPr lang="en-US">
+                <a:latin typeface="Calibri" charset="0"/>
+                <a:ea typeface="ＭＳ Ｐゴシック" charset="0"/>
+                <a:cs typeface="ＭＳ Ｐゴシック" charset="0"/>
+              </a:rPr>
+              <a:t>Implications in logic</a:t>
+            </a:r>
+          </a:p>
+        </p:txBody>
+      </p:sp>
+      <p:sp>
+        <p:nvSpPr>
+          <p:cNvPr id="15362" name="Content Placeholder 2"/>
+          <p:cNvSpPr>
+            <a:spLocks noGrp="1"/>
+          </p:cNvSpPr>
+          <p:nvPr>
+            <p:ph idx="1"/>
+          </p:nvPr>
+        </p:nvSpPr>
+        <p:spPr>
+          <a:xfrm>
+            <a:off x="395288" y="1209675"/>
+            <a:ext cx="8569200" cy="5459685"/>
+          </a:xfrm>
+        </p:spPr>
+        <p:txBody>
+          <a:bodyPr/>
+          <a:lstStyle/>
+          <a:p>
+            <a:r>
+              <a:rPr lang="en-US" sz="3200" dirty="0">
+                <a:latin typeface="Calibri" charset="0"/>
+                <a:ea typeface="ＭＳ Ｐゴシック" charset="0"/>
+                <a:cs typeface="ＭＳ Ｐゴシック" charset="0"/>
+              </a:rPr>
+              <a:t>In logic, an implication is a sentence that is either </a:t>
+            </a:r>
+            <a:r>
+              <a:rPr lang="en-US" sz="3200" i="1" dirty="0">
+                <a:latin typeface="Calibri" charset="0"/>
+                <a:ea typeface="ＭＳ Ｐゴシック" charset="0"/>
+                <a:cs typeface="ＭＳ Ｐゴシック" charset="0"/>
+              </a:rPr>
+              <a:t>true</a:t>
+            </a:r>
+            <a:r>
+              <a:rPr lang="en-US" sz="3200" dirty="0">
+                <a:latin typeface="Calibri" charset="0"/>
+                <a:ea typeface="ＭＳ Ｐゴシック" charset="0"/>
+                <a:cs typeface="ＭＳ Ｐゴシック" charset="0"/>
+              </a:rPr>
+              <a:t> or </a:t>
+            </a:r>
+            <a:r>
+              <a:rPr lang="en-US" sz="3200" i="1" dirty="0">
+                <a:latin typeface="Calibri" charset="0"/>
+                <a:ea typeface="ＭＳ Ｐゴシック" charset="0"/>
+                <a:cs typeface="ＭＳ Ｐゴシック" charset="0"/>
+              </a:rPr>
+              <a:t>false</a:t>
+            </a:r>
+          </a:p>
+          <a:p>
+            <a:pPr lvl="1"/>
+            <a:r>
+              <a:rPr lang="en-US" sz="2800" dirty="0" err="1">
+                <a:latin typeface="Calibri" charset="0"/>
+                <a:ea typeface="ＭＳ Ｐゴシック" charset="0"/>
+              </a:rPr>
+              <a:t>Forall</a:t>
+            </a:r>
+            <a:r>
+              <a:rPr lang="en-US" sz="2800" dirty="0">
+                <a:latin typeface="Calibri" charset="0"/>
+                <a:ea typeface="ＭＳ Ｐゴシック" charset="0"/>
+              </a:rPr>
+              <a:t> </a:t>
+            </a:r>
+            <a:r>
+              <a:rPr lang="en-US" sz="2800" i="1" dirty="0">
+                <a:latin typeface="Calibri" charset="0"/>
+                <a:ea typeface="ＭＳ Ｐゴシック" charset="0"/>
+              </a:rPr>
+              <a:t>x</a:t>
+            </a:r>
+            <a:r>
+              <a:rPr lang="en-US" sz="2800" dirty="0">
+                <a:latin typeface="Calibri" charset="0"/>
+                <a:ea typeface="ＭＳ Ｐゴシック" charset="0"/>
+              </a:rPr>
+              <a:t> man(</a:t>
+            </a:r>
+            <a:r>
+              <a:rPr lang="en-US" sz="2800" i="1" dirty="0">
+                <a:latin typeface="Calibri" charset="0"/>
+                <a:ea typeface="ＭＳ Ｐゴシック" charset="0"/>
+              </a:rPr>
+              <a:t>x</a:t>
+            </a:r>
+            <a:r>
+              <a:rPr lang="en-US" sz="2800" dirty="0">
+                <a:latin typeface="Calibri" charset="0"/>
+                <a:ea typeface="ＭＳ Ｐゴシック" charset="0"/>
+              </a:rPr>
+              <a:t>) =&gt; mortal(</a:t>
+            </a:r>
+            <a:r>
+              <a:rPr lang="en-US" sz="2800" i="1" dirty="0">
+                <a:latin typeface="Calibri" charset="0"/>
+                <a:ea typeface="ＭＳ Ｐゴシック" charset="0"/>
+              </a:rPr>
+              <a:t>x</a:t>
+            </a:r>
+            <a:r>
+              <a:rPr lang="en-US" sz="2800" dirty="0">
+                <a:latin typeface="Calibri" charset="0"/>
+                <a:ea typeface="ＭＳ Ｐゴシック" charset="0"/>
+              </a:rPr>
+              <a:t>)</a:t>
+            </a:r>
+          </a:p>
+          <a:p>
+            <a:r>
+              <a:rPr lang="en-US" sz="3200" dirty="0">
+                <a:latin typeface="Calibri" charset="0"/>
+                <a:ea typeface="ＭＳ Ｐゴシック" charset="0"/>
+                <a:cs typeface="ＭＳ Ｐゴシック" charset="0"/>
+              </a:rPr>
+              <a:t>Of course, we may not know if it’s true or false</a:t>
+            </a:r>
+          </a:p>
+          <a:p>
+            <a:r>
+              <a:rPr lang="en-US" sz="3200" dirty="0">
+                <a:latin typeface="Calibri" charset="0"/>
+                <a:ea typeface="ＭＳ Ｐゴシック" charset="0"/>
+                <a:cs typeface="ＭＳ Ｐゴシック" charset="0"/>
+              </a:rPr>
+              <a:t>If we believe an implication is true, we can use it to derive new true sentences from others we believe true</a:t>
+            </a:r>
+          </a:p>
+          <a:p>
+            <a:pPr lvl="1"/>
+            <a:r>
+              <a:rPr lang="en-US" sz="2800" i="1" dirty="0">
+                <a:latin typeface="Calibri" charset="0"/>
+                <a:ea typeface="ＭＳ Ｐゴシック" charset="0"/>
+              </a:rPr>
+              <a:t>man(</a:t>
+            </a:r>
+            <a:r>
+              <a:rPr lang="en-US" sz="2800" i="1" dirty="0" err="1">
+                <a:latin typeface="Calibri" charset="0"/>
+                <a:ea typeface="ＭＳ Ｐゴシック" charset="0"/>
+              </a:rPr>
+              <a:t>socrates</a:t>
+            </a:r>
+            <a:r>
+              <a:rPr lang="en-US" sz="2800" i="1" dirty="0">
+                <a:latin typeface="Calibri" charset="0"/>
+                <a:ea typeface="ＭＳ Ｐゴシック" charset="0"/>
+              </a:rPr>
+              <a:t>) </a:t>
+            </a:r>
+            <a:r>
+              <a:rPr lang="en-US" sz="2800" dirty="0">
+                <a:latin typeface="Calibri" charset="0"/>
+                <a:ea typeface="ＭＳ Ｐゴシック" charset="0"/>
+              </a:rPr>
+              <a:t>therefore </a:t>
+            </a:r>
+            <a:r>
+              <a:rPr lang="en-US" sz="2800" i="1" dirty="0">
+                <a:latin typeface="Calibri" charset="0"/>
+                <a:ea typeface="ＭＳ Ｐゴシック" charset="0"/>
+              </a:rPr>
+              <a:t>mortal(</a:t>
+            </a:r>
+            <a:r>
+              <a:rPr lang="en-US" sz="2800" i="1" dirty="0" err="1">
+                <a:latin typeface="Calibri" charset="0"/>
+                <a:ea typeface="ＭＳ Ｐゴシック" charset="0"/>
+              </a:rPr>
+              <a:t>socrates</a:t>
+            </a:r>
+            <a:r>
+              <a:rPr lang="en-US" sz="2800" i="1" dirty="0">
+                <a:latin typeface="Calibri" charset="0"/>
+                <a:ea typeface="ＭＳ Ｐゴシック" charset="0"/>
+              </a:rPr>
+              <a:t>)</a:t>
+            </a:r>
+          </a:p>
+          <a:p>
+            <a:r>
+              <a:rPr lang="en-US" sz="3200" dirty="0">
+                <a:latin typeface="Calibri" charset="0"/>
+                <a:ea typeface="ＭＳ Ｐゴシック" charset="0"/>
+                <a:cs typeface="ＭＳ Ｐゴシック" charset="0"/>
+              </a:rPr>
+              <a:t>This is the basis for rule based reasoning systems</a:t>
+            </a:r>
+          </a:p>
+          <a:p>
+            <a:pPr lvl="1"/>
+            <a:r>
+              <a:rPr lang="en-US" sz="2800" dirty="0">
+                <a:latin typeface="Calibri" charset="0"/>
+                <a:ea typeface="ＭＳ Ｐゴシック" charset="0"/>
+              </a:rPr>
+              <a:t>Prolog, Datalog, Jess, etc.</a:t>
+            </a:r>
+          </a:p>
+          <a:p>
+            <a:endParaRPr lang="en-US" sz="3200" dirty="0">
+              <a:latin typeface="Calibri" charset="0"/>
+              <a:ea typeface="ＭＳ Ｐゴシック" charset="0"/>
+              <a:cs typeface="ＭＳ Ｐゴシック" charset="0"/>
+            </a:endParaRPr>
+          </a:p>
+        </p:txBody>
+      </p:sp>
+    </p:spTree>
+  </p:cSld>
+  <p:clrMapOvr>
+    <a:masterClrMapping/>
+  </p:clrMapOvr>
+</p:sld>
+</file>
+
+<file path=ppt/slides/slide11.xml><?xml version="1.0" encoding="utf-8"?>
+<p:sld xmlns:a="http://schemas.openxmlformats.org/drawingml/2006/main" xmlns:r="http://schemas.openxmlformats.org/officeDocument/2006/relationships" xmlns:p="http://schemas.openxmlformats.org/presentationml/2006/main">
+  <p:cSld>
+    <p:spTree>
+      <p:nvGrpSpPr>
+        <p:cNvPr id="1" name=""/>
+        <p:cNvGrpSpPr/>
+        <p:nvPr/>
+      </p:nvGrpSpPr>
+      <p:grpSpPr>
+        <a:xfrm>
+          <a:off x="0" y="0"/>
+          <a:ext cx="0" cy="0"/>
+          <a:chOff x="0" y="0"/>
+          <a:chExt cx="0" cy="0"/>
+        </a:xfrm>
+      </p:grpSpPr>
+      <p:sp>
+        <p:nvSpPr>
           <p:cNvPr id="16385" name="Title 1"/>
           <p:cNvSpPr>
             <a:spLocks noGrp="1"/>
@@ -4026,7 +4501,7 @@
 </p:sld>
 </file>
 
-<file path=ppt/slides/slide11.xml><?xml version="1.0" encoding="utf-8"?>
+<file path=ppt/slides/slide12.xml><?xml version="1.0" encoding="utf-8"?>
 <p:sld xmlns:a="http://schemas.openxmlformats.org/drawingml/2006/main" xmlns:r="http://schemas.openxmlformats.org/officeDocument/2006/relationships" xmlns:p="http://schemas.openxmlformats.org/presentationml/2006/main">
   <p:cSld>
     <p:spTree>
@@ -4356,7 +4831,7 @@
 </p:sld>
 </file>
 
-<file path=ppt/slides/slide12.xml><?xml version="1.0" encoding="utf-8"?>
+<file path=ppt/slides/slide13.xml><?xml version="1.0" encoding="utf-8"?>
 <p:sld xmlns:a="http://schemas.openxmlformats.org/drawingml/2006/main" xmlns:r="http://schemas.openxmlformats.org/officeDocument/2006/relationships" xmlns:p="http://schemas.openxmlformats.org/presentationml/2006/main">
   <p:cSld>
     <p:spTree>
@@ -4556,7 +5031,7 @@
 </p:sld>
 </file>
 
-<file path=ppt/slides/slide13.xml><?xml version="1.0" encoding="utf-8"?>
+<file path=ppt/slides/slide14.xml><?xml version="1.0" encoding="utf-8"?>
 <p:sld xmlns:a="http://schemas.openxmlformats.org/drawingml/2006/main" xmlns:r="http://schemas.openxmlformats.org/officeDocument/2006/relationships" xmlns:p="http://schemas.openxmlformats.org/presentationml/2006/main">
   <p:cSld>
     <p:spTree>
@@ -4712,7 +5187,7 @@
 </p:sld>
 </file>
 
-<file path=ppt/slides/slide14.xml><?xml version="1.0" encoding="utf-8"?>
+<file path=ppt/slides/slide15.xml><?xml version="1.0" encoding="utf-8"?>
 <p:sld xmlns:a="http://schemas.openxmlformats.org/drawingml/2006/main" xmlns:r="http://schemas.openxmlformats.org/officeDocument/2006/relationships" xmlns:p="http://schemas.openxmlformats.org/presentationml/2006/main">
   <p:cSld>
     <p:spTree>
@@ -4897,7 +5372,7 @@
 </p:sld>
 </file>
 
-<file path=ppt/slides/slide15.xml><?xml version="1.0" encoding="utf-8"?>
+<file path=ppt/slides/slide16.xml><?xml version="1.0" encoding="utf-8"?>
 <p:sld xmlns:a="http://schemas.openxmlformats.org/drawingml/2006/main" xmlns:r="http://schemas.openxmlformats.org/officeDocument/2006/relationships" xmlns:p="http://schemas.openxmlformats.org/presentationml/2006/main">
   <p:cSld>
     <p:spTree>
@@ -5131,7 +5606,7 @@
 </p:sld>
 </file>
 
-<file path=ppt/slides/slide16.xml><?xml version="1.0" encoding="utf-8"?>
+<file path=ppt/slides/slide17.xml><?xml version="1.0" encoding="utf-8"?>
 <p:sld xmlns:a="http://schemas.openxmlformats.org/drawingml/2006/main" xmlns:r="http://schemas.openxmlformats.org/officeDocument/2006/relationships" xmlns:p="http://schemas.openxmlformats.org/presentationml/2006/main">
   <p:cSld>
     <p:spTree>
@@ -5264,7 +5739,7 @@
 </p:sld>
 </file>
 
-<file path=ppt/slides/slide17.xml><?xml version="1.0" encoding="utf-8"?>
+<file path=ppt/slides/slide18.xml><?xml version="1.0" encoding="utf-8"?>
 <p:sld xmlns:a="http://schemas.openxmlformats.org/drawingml/2006/main" xmlns:r="http://schemas.openxmlformats.org/officeDocument/2006/relationships" xmlns:p="http://schemas.openxmlformats.org/presentationml/2006/main">
   <p:cSld>
     <p:spTree>
@@ -5360,7 +5835,7 @@
               <a:rPr lang="en-US" sz="3200" dirty="0">
                 <a:latin typeface="Calibri" charset="0"/>
                 <a:ea typeface="ＭＳ Ｐゴシック" charset="0"/>
-                <a:hlinkClick r:id="rId2"/>
+                <a:hlinkClick r:id="rId4"/>
               </a:rPr>
               <a:t>n3</a:t>
             </a:r>
@@ -5382,7 +5857,7 @@
               <a:rPr lang="en-US" sz="3200" dirty="0">
                 <a:latin typeface="Calibri" charset="0"/>
                 <a:ea typeface="ＭＳ Ｐゴシック" charset="0"/>
-                <a:hlinkClick r:id="rId4"/>
+                <a:hlinkClick r:id="rId5"/>
               </a:rPr>
               <a:t>owl-rules.n3</a:t>
             </a:r>
@@ -5414,7 +5889,7 @@
               <a:rPr lang="en-US" sz="3200" dirty="0">
                 <a:latin typeface="Calibri" charset="0"/>
                 <a:ea typeface="ＭＳ Ｐゴシック" charset="0"/>
-                <a:hlinkClick r:id="rId5"/>
+                <a:hlinkClick r:id="rId6"/>
               </a:rPr>
               <a:t>gedcom-relations.n3</a:t>
             </a:r>
@@ -5447,7 +5922,7 @@
 </p:sld>
 </file>
 
-<file path=ppt/slides/slide18.xml><?xml version="1.0" encoding="utf-8"?>
+<file path=ppt/slides/slide19.xml><?xml version="1.0" encoding="utf-8"?>
 <p:sld xmlns:a="http://schemas.openxmlformats.org/drawingml/2006/main" xmlns:r="http://schemas.openxmlformats.org/officeDocument/2006/relationships" xmlns:p="http://schemas.openxmlformats.org/presentationml/2006/main">
   <p:cSld>
     <p:spTree>
@@ -5660,252 +6135,6 @@
               <a:ea typeface="ＭＳ Ｐゴシック" charset="0"/>
               <a:cs typeface="ＭＳ Ｐゴシック" charset="0"/>
             </a:endParaRPr>
-          </a:p>
-        </p:txBody>
-      </p:sp>
-    </p:spTree>
-  </p:cSld>
-  <p:clrMapOvr>
-    <a:masterClrMapping/>
-  </p:clrMapOvr>
-</p:sld>
-</file>
-
-<file path=ppt/slides/slide19.xml><?xml version="1.0" encoding="utf-8"?>
-<p:sld xmlns:a="http://schemas.openxmlformats.org/drawingml/2006/main" xmlns:r="http://schemas.openxmlformats.org/officeDocument/2006/relationships" xmlns:p="http://schemas.openxmlformats.org/presentationml/2006/main">
-  <p:cSld>
-    <p:spTree>
-      <p:nvGrpSpPr>
-        <p:cNvPr id="1" name=""/>
-        <p:cNvGrpSpPr/>
-        <p:nvPr/>
-      </p:nvGrpSpPr>
-      <p:grpSpPr>
-        <a:xfrm>
-          <a:off x="0" y="0"/>
-          <a:ext cx="0" cy="0"/>
-          <a:chOff x="0" y="0"/>
-          <a:chExt cx="0" cy="0"/>
-        </a:xfrm>
-      </p:grpSpPr>
-      <p:sp>
-        <p:nvSpPr>
-          <p:cNvPr id="25601" name="Title 1"/>
-          <p:cNvSpPr>
-            <a:spLocks noGrp="1"/>
-          </p:cNvSpPr>
-          <p:nvPr>
-            <p:ph type="title"/>
-          </p:nvPr>
-        </p:nvSpPr>
-        <p:spPr/>
-        <p:txBody>
-          <a:bodyPr/>
-          <a:lstStyle/>
-          <a:p>
-            <a:pPr eaLnBrk="1" hangingPunct="1"/>
-            <a:r>
-              <a:rPr lang="en-US">
-                <a:latin typeface="Calibri" charset="0"/>
-                <a:ea typeface="ＭＳ Ｐゴシック" charset="0"/>
-                <a:cs typeface="ＭＳ Ｐゴシック" charset="0"/>
-              </a:rPr>
-              <a:t>Invoking CWM (1)</a:t>
-            </a:r>
-          </a:p>
-        </p:txBody>
-      </p:sp>
-      <p:sp>
-        <p:nvSpPr>
-          <p:cNvPr id="25602" name="Content Placeholder 2"/>
-          <p:cNvSpPr>
-            <a:spLocks noGrp="1"/>
-          </p:cNvSpPr>
-          <p:nvPr>
-            <p:ph idx="1"/>
-          </p:nvPr>
-        </p:nvSpPr>
-        <p:spPr/>
-        <p:txBody>
-          <a:bodyPr/>
-          <a:lstStyle/>
-          <a:p>
-            <a:pPr eaLnBrk="1" hangingPunct="1">
-              <a:buFont typeface="Wingdings" charset="0"/>
-              <a:buNone/>
-            </a:pPr>
-            <a:r>
-              <a:rPr lang="en-US">
-                <a:latin typeface="Calibri" charset="0"/>
-                <a:ea typeface="ＭＳ Ｐゴシック" charset="0"/>
-                <a:cs typeface="ＭＳ Ｐゴシック" charset="0"/>
-              </a:rPr>
-              <a:t>% cwm simple1.n3</a:t>
-            </a:r>
-          </a:p>
-          <a:p>
-            <a:pPr eaLnBrk="1" hangingPunct="1">
-              <a:buFont typeface="Wingdings" charset="0"/>
-              <a:buNone/>
-            </a:pPr>
-            <a:r>
-              <a:rPr lang="en-US" sz="2000">
-                <a:latin typeface="Calibri" charset="0"/>
-                <a:ea typeface="ＭＳ Ｐゴシック" charset="0"/>
-                <a:cs typeface="ＭＳ Ｐゴシック" charset="0"/>
-              </a:rPr>
-              <a:t># Processed by Id: cwm.py,v 1.197 2007/12/13 15:38:39 syosi Exp </a:t>
-            </a:r>
-          </a:p>
-          <a:p>
-            <a:pPr eaLnBrk="1" hangingPunct="1">
-              <a:buFont typeface="Wingdings" charset="0"/>
-              <a:buNone/>
-            </a:pPr>
-            <a:r>
-              <a:rPr lang="en-US" sz="2000">
-                <a:latin typeface="Calibri" charset="0"/>
-                <a:ea typeface="ＭＳ Ｐゴシック" charset="0"/>
-                <a:cs typeface="ＭＳ Ｐゴシック" charset="0"/>
-              </a:rPr>
-              <a:t># using base file:///Users/finin/Sites/691s13/examples/n3/simple1.n3  </a:t>
-            </a:r>
-          </a:p>
-          <a:p>
-            <a:pPr eaLnBrk="1" hangingPunct="1">
-              <a:buFont typeface="Wingdings" charset="0"/>
-              <a:buNone/>
-            </a:pPr>
-            <a:r>
-              <a:rPr lang="en-US" sz="2000">
-                <a:latin typeface="Calibri" charset="0"/>
-                <a:ea typeface="ＭＳ Ｐゴシック" charset="0"/>
-                <a:cs typeface="ＭＳ Ｐゴシック" charset="0"/>
-              </a:rPr>
-              <a:t>#  Notation3 generation by notation3.py,v 1.200 2007/12/11 21:18:08 syosi Exp</a:t>
-            </a:r>
-          </a:p>
-          <a:p>
-            <a:pPr eaLnBrk="1" hangingPunct="1">
-              <a:buFont typeface="Wingdings" charset="0"/>
-              <a:buNone/>
-            </a:pPr>
-            <a:r>
-              <a:rPr lang="en-US" sz="2000">
-                <a:latin typeface="Calibri" charset="0"/>
-                <a:ea typeface="ＭＳ Ｐゴシック" charset="0"/>
-                <a:cs typeface="ＭＳ Ｐゴシック" charset="0"/>
-              </a:rPr>
-              <a:t>#   Base was: </a:t>
-            </a:r>
-            <a:r>
-              <a:rPr lang="en-US" sz="2000">
-                <a:latin typeface="Calibri" charset="0"/>
-                <a:ea typeface="ＭＳ Ｐゴシック" charset="0"/>
-                <a:cs typeface="ＭＳ Ｐゴシック" charset="0"/>
-                <a:hlinkClick r:id="rId2" action="ppaction://hlinkfile"/>
-              </a:rPr>
-              <a:t>file:///Users/finin/Sites/691s13/examples/n3/simple1.n3</a:t>
-            </a:r>
-            <a:endParaRPr lang="en-US" sz="2000">
-              <a:latin typeface="Calibri" charset="0"/>
-              <a:ea typeface="ＭＳ Ｐゴシック" charset="0"/>
-              <a:cs typeface="ＭＳ Ｐゴシック" charset="0"/>
-            </a:endParaRPr>
-          </a:p>
-          <a:p>
-            <a:pPr eaLnBrk="1" hangingPunct="1">
-              <a:buFont typeface="Wingdings" charset="0"/>
-              <a:buNone/>
-            </a:pPr>
-            <a:r>
-              <a:rPr lang="ro-RO">
-                <a:latin typeface="Calibri" charset="0"/>
-                <a:ea typeface="ＭＳ Ｐゴシック" charset="0"/>
-                <a:cs typeface="ＭＳ Ｐゴシック" charset="0"/>
-              </a:rPr>
-              <a:t>@prefix : &lt;#&gt; .</a:t>
-            </a:r>
-          </a:p>
-          <a:p>
-            <a:pPr eaLnBrk="1" hangingPunct="1">
-              <a:buFont typeface="Wingdings" charset="0"/>
-              <a:buNone/>
-            </a:pPr>
-            <a:endParaRPr lang="ro-RO" sz="1200">
-              <a:latin typeface="Calibri" charset="0"/>
-              <a:ea typeface="ＭＳ Ｐゴシック" charset="0"/>
-              <a:cs typeface="ＭＳ Ｐゴシック" charset="0"/>
-            </a:endParaRPr>
-          </a:p>
-          <a:p>
-            <a:pPr eaLnBrk="1" hangingPunct="1">
-              <a:buFont typeface="Wingdings" charset="0"/>
-              <a:buNone/>
-            </a:pPr>
-            <a:r>
-              <a:rPr lang="ro-RO" sz="1800">
-                <a:latin typeface="Calibri" charset="0"/>
-                <a:ea typeface="ＭＳ Ｐゴシック" charset="0"/>
-                <a:cs typeface="ＭＳ Ｐゴシック" charset="0"/>
-              </a:rPr>
-              <a:t>       </a:t>
-            </a:r>
-            <a:r>
-              <a:rPr lang="ro-RO">
-                <a:latin typeface="Calibri" charset="0"/>
-                <a:ea typeface="ＭＳ Ｐゴシック" charset="0"/>
-                <a:cs typeface="ＭＳ Ｐゴシック" charset="0"/>
-              </a:rPr>
-              <a:t>:john a &lt;http://xmlns.com/foaf/0.1/Person&gt;;</a:t>
-            </a:r>
-          </a:p>
-          <a:p>
-            <a:pPr eaLnBrk="1" hangingPunct="1">
-              <a:buFont typeface="Wingdings" charset="0"/>
-              <a:buNone/>
-            </a:pPr>
-            <a:r>
-              <a:rPr lang="ro-RO">
-                <a:latin typeface="Calibri" charset="0"/>
-                <a:ea typeface="ＭＳ Ｐゴシック" charset="0"/>
-                <a:cs typeface="ＭＳ Ｐゴシック" charset="0"/>
-              </a:rPr>
-              <a:t>         &lt;http://xmlns.com/foaf/0.1/gender&gt; "Male";</a:t>
-            </a:r>
-          </a:p>
-          <a:p>
-            <a:pPr eaLnBrk="1" hangingPunct="1">
-              <a:buFont typeface="Wingdings" charset="0"/>
-              <a:buNone/>
-            </a:pPr>
-            <a:r>
-              <a:rPr lang="ro-RO">
-                <a:latin typeface="Calibri" charset="0"/>
-                <a:ea typeface="ＭＳ Ｐゴシック" charset="0"/>
-                <a:cs typeface="ＭＳ Ｐゴシック" charset="0"/>
-              </a:rPr>
-              <a:t>         &lt;http://xmlns.com/foaf/0.1/name&gt; "John Smith" .</a:t>
-            </a:r>
-            <a:endParaRPr lang="en-US">
-              <a:latin typeface="Calibri" charset="0"/>
-              <a:ea typeface="ＭＳ Ｐゴシック" charset="0"/>
-              <a:cs typeface="ＭＳ Ｐゴシック" charset="0"/>
-            </a:endParaRPr>
-          </a:p>
-          <a:p>
-            <a:pPr eaLnBrk="1" hangingPunct="1">
-              <a:buFont typeface="Wingdings" charset="0"/>
-              <a:buNone/>
-            </a:pPr>
-            <a:r>
-              <a:rPr lang="en-US">
-                <a:latin typeface="Calibri" charset="0"/>
-                <a:ea typeface="ＭＳ Ｐゴシック" charset="0"/>
-                <a:cs typeface="ＭＳ Ｐゴシック" charset="0"/>
-              </a:rPr>
-              <a:t>#ENDS</a:t>
-            </a:r>
           </a:p>
         </p:txBody>
       </p:sp>
@@ -6022,7 +6251,7 @@
                 <a:latin typeface="Calibri" charset="0"/>
                 <a:ea typeface="ＭＳ Ｐゴシック" charset="0"/>
               </a:rPr>
-              <a:t> triples database</a:t>
+              <a:t> in-memory triple store</a:t>
             </a:r>
           </a:p>
           <a:p>
@@ -6081,7 +6310,7 @@
                 <a:ea typeface="ＭＳ Ｐゴシック" charset="0"/>
                 <a:cs typeface="ＭＳ Ｐゴシック" charset="0"/>
               </a:rPr>
-              <a:t>CWM was written in Python by Tim Berners-Lee and Dan Connolly of the W3C</a:t>
+              <a:t>CWM was written in Python by Tim Berners-Lee and Dan Connolly of the W3C (circa 2000!)</a:t>
             </a:r>
           </a:p>
           <a:p>
@@ -6106,6 +6335,252 @@
 </file>
 
 <file path=ppt/slides/slide20.xml><?xml version="1.0" encoding="utf-8"?>
+<p:sld xmlns:a="http://schemas.openxmlformats.org/drawingml/2006/main" xmlns:r="http://schemas.openxmlformats.org/officeDocument/2006/relationships" xmlns:p="http://schemas.openxmlformats.org/presentationml/2006/main">
+  <p:cSld>
+    <p:spTree>
+      <p:nvGrpSpPr>
+        <p:cNvPr id="1" name=""/>
+        <p:cNvGrpSpPr/>
+        <p:nvPr/>
+      </p:nvGrpSpPr>
+      <p:grpSpPr>
+        <a:xfrm>
+          <a:off x="0" y="0"/>
+          <a:ext cx="0" cy="0"/>
+          <a:chOff x="0" y="0"/>
+          <a:chExt cx="0" cy="0"/>
+        </a:xfrm>
+      </p:grpSpPr>
+      <p:sp>
+        <p:nvSpPr>
+          <p:cNvPr id="25601" name="Title 1"/>
+          <p:cNvSpPr>
+            <a:spLocks noGrp="1"/>
+          </p:cNvSpPr>
+          <p:nvPr>
+            <p:ph type="title"/>
+          </p:nvPr>
+        </p:nvSpPr>
+        <p:spPr/>
+        <p:txBody>
+          <a:bodyPr/>
+          <a:lstStyle/>
+          <a:p>
+            <a:pPr eaLnBrk="1" hangingPunct="1"/>
+            <a:r>
+              <a:rPr lang="en-US">
+                <a:latin typeface="Calibri" charset="0"/>
+                <a:ea typeface="ＭＳ Ｐゴシック" charset="0"/>
+                <a:cs typeface="ＭＳ Ｐゴシック" charset="0"/>
+              </a:rPr>
+              <a:t>Invoking CWM (1)</a:t>
+            </a:r>
+          </a:p>
+        </p:txBody>
+      </p:sp>
+      <p:sp>
+        <p:nvSpPr>
+          <p:cNvPr id="25602" name="Content Placeholder 2"/>
+          <p:cNvSpPr>
+            <a:spLocks noGrp="1"/>
+          </p:cNvSpPr>
+          <p:nvPr>
+            <p:ph idx="1"/>
+          </p:nvPr>
+        </p:nvSpPr>
+        <p:spPr/>
+        <p:txBody>
+          <a:bodyPr/>
+          <a:lstStyle/>
+          <a:p>
+            <a:pPr eaLnBrk="1" hangingPunct="1">
+              <a:buFont typeface="Wingdings" charset="0"/>
+              <a:buNone/>
+            </a:pPr>
+            <a:r>
+              <a:rPr lang="en-US">
+                <a:latin typeface="Calibri" charset="0"/>
+                <a:ea typeface="ＭＳ Ｐゴシック" charset="0"/>
+                <a:cs typeface="ＭＳ Ｐゴシック" charset="0"/>
+              </a:rPr>
+              <a:t>% cwm simple1.n3</a:t>
+            </a:r>
+          </a:p>
+          <a:p>
+            <a:pPr eaLnBrk="1" hangingPunct="1">
+              <a:buFont typeface="Wingdings" charset="0"/>
+              <a:buNone/>
+            </a:pPr>
+            <a:r>
+              <a:rPr lang="en-US" sz="2000">
+                <a:latin typeface="Calibri" charset="0"/>
+                <a:ea typeface="ＭＳ Ｐゴシック" charset="0"/>
+                <a:cs typeface="ＭＳ Ｐゴシック" charset="0"/>
+              </a:rPr>
+              <a:t># Processed by Id: cwm.py,v 1.197 2007/12/13 15:38:39 syosi Exp </a:t>
+            </a:r>
+          </a:p>
+          <a:p>
+            <a:pPr eaLnBrk="1" hangingPunct="1">
+              <a:buFont typeface="Wingdings" charset="0"/>
+              <a:buNone/>
+            </a:pPr>
+            <a:r>
+              <a:rPr lang="en-US" sz="2000">
+                <a:latin typeface="Calibri" charset="0"/>
+                <a:ea typeface="ＭＳ Ｐゴシック" charset="0"/>
+                <a:cs typeface="ＭＳ Ｐゴシック" charset="0"/>
+              </a:rPr>
+              <a:t># using base file:///Users/finin/Sites/691s13/examples/n3/simple1.n3  </a:t>
+            </a:r>
+          </a:p>
+          <a:p>
+            <a:pPr eaLnBrk="1" hangingPunct="1">
+              <a:buFont typeface="Wingdings" charset="0"/>
+              <a:buNone/>
+            </a:pPr>
+            <a:r>
+              <a:rPr lang="en-US" sz="2000">
+                <a:latin typeface="Calibri" charset="0"/>
+                <a:ea typeface="ＭＳ Ｐゴシック" charset="0"/>
+                <a:cs typeface="ＭＳ Ｐゴシック" charset="0"/>
+              </a:rPr>
+              <a:t>#  Notation3 generation by notation3.py,v 1.200 2007/12/11 21:18:08 syosi Exp</a:t>
+            </a:r>
+          </a:p>
+          <a:p>
+            <a:pPr eaLnBrk="1" hangingPunct="1">
+              <a:buFont typeface="Wingdings" charset="0"/>
+              <a:buNone/>
+            </a:pPr>
+            <a:r>
+              <a:rPr lang="en-US" sz="2000">
+                <a:latin typeface="Calibri" charset="0"/>
+                <a:ea typeface="ＭＳ Ｐゴシック" charset="0"/>
+                <a:cs typeface="ＭＳ Ｐゴシック" charset="0"/>
+              </a:rPr>
+              <a:t>#   Base was: </a:t>
+            </a:r>
+            <a:r>
+              <a:rPr lang="en-US" sz="2000">
+                <a:latin typeface="Calibri" charset="0"/>
+                <a:ea typeface="ＭＳ Ｐゴシック" charset="0"/>
+                <a:cs typeface="ＭＳ Ｐゴシック" charset="0"/>
+                <a:hlinkClick r:id="rId2" action="ppaction://hlinkfile"/>
+              </a:rPr>
+              <a:t>file:///Users/finin/Sites/691s13/examples/n3/simple1.n3</a:t>
+            </a:r>
+            <a:endParaRPr lang="en-US" sz="2000">
+              <a:latin typeface="Calibri" charset="0"/>
+              <a:ea typeface="ＭＳ Ｐゴシック" charset="0"/>
+              <a:cs typeface="ＭＳ Ｐゴシック" charset="0"/>
+            </a:endParaRPr>
+          </a:p>
+          <a:p>
+            <a:pPr eaLnBrk="1" hangingPunct="1">
+              <a:buFont typeface="Wingdings" charset="0"/>
+              <a:buNone/>
+            </a:pPr>
+            <a:r>
+              <a:rPr lang="ro-RO">
+                <a:latin typeface="Calibri" charset="0"/>
+                <a:ea typeface="ＭＳ Ｐゴシック" charset="0"/>
+                <a:cs typeface="ＭＳ Ｐゴシック" charset="0"/>
+              </a:rPr>
+              <a:t>@prefix : &lt;#&gt; .</a:t>
+            </a:r>
+          </a:p>
+          <a:p>
+            <a:pPr eaLnBrk="1" hangingPunct="1">
+              <a:buFont typeface="Wingdings" charset="0"/>
+              <a:buNone/>
+            </a:pPr>
+            <a:endParaRPr lang="ro-RO" sz="1200">
+              <a:latin typeface="Calibri" charset="0"/>
+              <a:ea typeface="ＭＳ Ｐゴシック" charset="0"/>
+              <a:cs typeface="ＭＳ Ｐゴシック" charset="0"/>
+            </a:endParaRPr>
+          </a:p>
+          <a:p>
+            <a:pPr eaLnBrk="1" hangingPunct="1">
+              <a:buFont typeface="Wingdings" charset="0"/>
+              <a:buNone/>
+            </a:pPr>
+            <a:r>
+              <a:rPr lang="ro-RO" sz="1800">
+                <a:latin typeface="Calibri" charset="0"/>
+                <a:ea typeface="ＭＳ Ｐゴシック" charset="0"/>
+                <a:cs typeface="ＭＳ Ｐゴシック" charset="0"/>
+              </a:rPr>
+              <a:t>       </a:t>
+            </a:r>
+            <a:r>
+              <a:rPr lang="ro-RO">
+                <a:latin typeface="Calibri" charset="0"/>
+                <a:ea typeface="ＭＳ Ｐゴシック" charset="0"/>
+                <a:cs typeface="ＭＳ Ｐゴシック" charset="0"/>
+              </a:rPr>
+              <a:t>:john a &lt;http://xmlns.com/foaf/0.1/Person&gt;;</a:t>
+            </a:r>
+          </a:p>
+          <a:p>
+            <a:pPr eaLnBrk="1" hangingPunct="1">
+              <a:buFont typeface="Wingdings" charset="0"/>
+              <a:buNone/>
+            </a:pPr>
+            <a:r>
+              <a:rPr lang="ro-RO">
+                <a:latin typeface="Calibri" charset="0"/>
+                <a:ea typeface="ＭＳ Ｐゴシック" charset="0"/>
+                <a:cs typeface="ＭＳ Ｐゴシック" charset="0"/>
+              </a:rPr>
+              <a:t>         &lt;http://xmlns.com/foaf/0.1/gender&gt; "Male";</a:t>
+            </a:r>
+          </a:p>
+          <a:p>
+            <a:pPr eaLnBrk="1" hangingPunct="1">
+              <a:buFont typeface="Wingdings" charset="0"/>
+              <a:buNone/>
+            </a:pPr>
+            <a:r>
+              <a:rPr lang="ro-RO">
+                <a:latin typeface="Calibri" charset="0"/>
+                <a:ea typeface="ＭＳ Ｐゴシック" charset="0"/>
+                <a:cs typeface="ＭＳ Ｐゴシック" charset="0"/>
+              </a:rPr>
+              <a:t>         &lt;http://xmlns.com/foaf/0.1/name&gt; "John Smith" .</a:t>
+            </a:r>
+            <a:endParaRPr lang="en-US">
+              <a:latin typeface="Calibri" charset="0"/>
+              <a:ea typeface="ＭＳ Ｐゴシック" charset="0"/>
+              <a:cs typeface="ＭＳ Ｐゴシック" charset="0"/>
+            </a:endParaRPr>
+          </a:p>
+          <a:p>
+            <a:pPr eaLnBrk="1" hangingPunct="1">
+              <a:buFont typeface="Wingdings" charset="0"/>
+              <a:buNone/>
+            </a:pPr>
+            <a:r>
+              <a:rPr lang="en-US">
+                <a:latin typeface="Calibri" charset="0"/>
+                <a:ea typeface="ＭＳ Ｐゴシック" charset="0"/>
+                <a:cs typeface="ＭＳ Ｐゴシック" charset="0"/>
+              </a:rPr>
+              <a:t>#ENDS</a:t>
+            </a:r>
+          </a:p>
+        </p:txBody>
+      </p:sp>
+    </p:spTree>
+  </p:cSld>
+  <p:clrMapOvr>
+    <a:masterClrMapping/>
+  </p:clrMapOvr>
+</p:sld>
+</file>
+
+<file path=ppt/slides/slide21.xml><?xml version="1.0" encoding="utf-8"?>
 <p:sld xmlns:a="http://schemas.openxmlformats.org/drawingml/2006/main" xmlns:r="http://schemas.openxmlformats.org/officeDocument/2006/relationships" xmlns:p="http://schemas.openxmlformats.org/presentationml/2006/main">
   <p:cSld>
     <p:spTree>
@@ -6479,7 +6954,7 @@
 </p:sld>
 </file>
 
-<file path=ppt/slides/slide21.xml><?xml version="1.0" encoding="utf-8"?>
+<file path=ppt/slides/slide22.xml><?xml version="1.0" encoding="utf-8"?>
 <p:sld xmlns:a="http://schemas.openxmlformats.org/drawingml/2006/main" xmlns:r="http://schemas.openxmlformats.org/officeDocument/2006/relationships" xmlns:p="http://schemas.openxmlformats.org/presentationml/2006/main">
   <p:cSld>
     <p:spTree>
@@ -6758,7 +7233,7 @@
 </p:sld>
 </file>
 
-<file path=ppt/slides/slide22.xml><?xml version="1.0" encoding="utf-8"?>
+<file path=ppt/slides/slide23.xml><?xml version="1.0" encoding="utf-8"?>
 <p:sld xmlns:a="http://schemas.openxmlformats.org/drawingml/2006/main" xmlns:r="http://schemas.openxmlformats.org/officeDocument/2006/relationships" xmlns:p="http://schemas.openxmlformats.org/presentationml/2006/main">
   <p:cSld>
     <p:spTree>
@@ -7046,7 +7521,7 @@
 </p:sld>
 </file>
 
-<file path=ppt/slides/slide23.xml><?xml version="1.0" encoding="utf-8"?>
+<file path=ppt/slides/slide24.xml><?xml version="1.0" encoding="utf-8"?>
 <p:sld xmlns:a="http://schemas.openxmlformats.org/drawingml/2006/main" xmlns:r="http://schemas.openxmlformats.org/officeDocument/2006/relationships" xmlns:p="http://schemas.openxmlformats.org/presentationml/2006/main">
   <p:cSld>
     <p:spTree>
@@ -7342,7 +7817,7 @@
 </p:sld>
 </file>
 
-<file path=ppt/slides/slide24.xml><?xml version="1.0" encoding="utf-8"?>
+<file path=ppt/slides/slide25.xml><?xml version="1.0" encoding="utf-8"?>
 <p:sld xmlns:a="http://schemas.openxmlformats.org/drawingml/2006/main" xmlns:r="http://schemas.openxmlformats.org/officeDocument/2006/relationships" xmlns:p="http://schemas.openxmlformats.org/presentationml/2006/main">
   <p:cSld>
     <p:spTree>
@@ -7436,7 +7911,7 @@
                 <a:cs typeface="ＭＳ Ｐゴシック" charset="0"/>
                 <a:hlinkClick r:id="rId2"/>
               </a:rPr>
-              <a:t>http://cs.umbc.edu/courses/graduate/691/fall18/07/examples/n3/</a:t>
+              <a:t>http://cs.umbc.edu/courses/graduate/691/fall19/07/examples/n3/</a:t>
             </a:r>
             <a:endParaRPr lang="en-US" sz="3200" dirty="0">
               <a:latin typeface="Calibri" charset="0"/>
@@ -7454,7 +7929,7 @@
 </p:sld>
 </file>
 
-<file path=ppt/slides/slide25.xml><?xml version="1.0" encoding="utf-8"?>
+<file path=ppt/slides/slide26.xml><?xml version="1.0" encoding="utf-8"?>
 <p:sld xmlns:a="http://schemas.openxmlformats.org/drawingml/2006/main" xmlns:r="http://schemas.openxmlformats.org/officeDocument/2006/relationships" xmlns:p="http://schemas.openxmlformats.org/presentationml/2006/main">
   <p:cSld>
     <p:spTree>
@@ -7499,10 +7974,10 @@
       </p:sp>
       <p:pic>
         <p:nvPicPr>
-          <p:cNvPr id="4" name="Picture 3">
+          <p:cNvPr id="3" name="Picture 2">
             <a:extLst>
               <a:ext uri="{FF2B5EF4-FFF2-40B4-BE49-F238E27FC236}">
-                <a16:creationId xmlns:a16="http://schemas.microsoft.com/office/drawing/2014/main" id="{9CF649B2-F13B-4F45-A94D-8C5EA6CDEB39}"/>
+                <a16:creationId xmlns:a16="http://schemas.microsoft.com/office/drawing/2014/main" id="{63327BE1-5CAF-404F-9B9C-2FC733F96A4E}"/>
               </a:ext>
             </a:extLst>
           </p:cNvPr>
@@ -7519,8 +7994,8 @@
         </p:blipFill>
         <p:spPr>
           <a:xfrm>
-            <a:off x="0" y="908720"/>
-            <a:ext cx="9144000" cy="6366693"/>
+            <a:off x="860172" y="1233705"/>
+            <a:ext cx="7936822" cy="5624295"/>
           </a:xfrm>
           <a:prstGeom prst="rect">
             <a:avLst/>
@@ -7535,7 +8010,7 @@
 </p:sld>
 </file>
 
-<file path=ppt/slides/slide26.xml><?xml version="1.0" encoding="utf-8"?>
+<file path=ppt/slides/slide27.xml><?xml version="1.0" encoding="utf-8"?>
 <p:sld xmlns:a="http://schemas.openxmlformats.org/drawingml/2006/main" xmlns:r="http://schemas.openxmlformats.org/officeDocument/2006/relationships" xmlns:p="http://schemas.openxmlformats.org/presentationml/2006/main">
   <p:cSld>
     <p:spTree>
@@ -7681,7 +8156,7 @@
 </p:sld>
 </file>
 
-<file path=ppt/slides/slide27.xml><?xml version="1.0" encoding="utf-8"?>
+<file path=ppt/slides/slide28.xml><?xml version="1.0" encoding="utf-8"?>
 <p:sld xmlns:a="http://schemas.openxmlformats.org/drawingml/2006/main" xmlns:r="http://schemas.openxmlformats.org/officeDocument/2006/relationships" xmlns:p="http://schemas.openxmlformats.org/presentationml/2006/main">
   <p:cSld>
     <p:spTree>
@@ -8905,14 +9380,14 @@
           </a:ln>
           <a:extLst>
             <a:ext uri="{909E8E84-426E-40dd-AFC4-6F175D3DCCD1}">
-              <a14:hiddenFill xmlns="" xmlns:a14="http://schemas.microsoft.com/office/drawing/2010/main">
+              <a14:hiddenFill xmlns:a14="http://schemas.microsoft.com/office/drawing/2010/main" xmlns="">
                 <a:solidFill>
                   <a:srgbClr val="FFFFFF"/>
                 </a:solidFill>
               </a14:hiddenFill>
             </a:ext>
             <a:ext uri="{91240B29-F687-4f45-9708-019B960494DF}">
-              <a14:hiddenLine xmlns="" xmlns:a14="http://schemas.microsoft.com/office/drawing/2010/main" w="9525">
+              <a14:hiddenLine xmlns:a14="http://schemas.microsoft.com/office/drawing/2010/main" xmlns="" w="9525">
                 <a:solidFill>
                   <a:srgbClr val="000000"/>
                 </a:solidFill>
@@ -9077,14 +9552,14 @@
           </a:ln>
           <a:extLst>
             <a:ext uri="{909E8E84-426E-40dd-AFC4-6F175D3DCCD1}">
-              <a14:hiddenFill xmlns="" xmlns:a14="http://schemas.microsoft.com/office/drawing/2010/main">
+              <a14:hiddenFill xmlns:a14="http://schemas.microsoft.com/office/drawing/2010/main" xmlns="">
                 <a:solidFill>
                   <a:srgbClr val="FFFFFF"/>
                 </a:solidFill>
               </a14:hiddenFill>
             </a:ext>
             <a:ext uri="{91240B29-F687-4f45-9708-019B960494DF}">
-              <a14:hiddenLine xmlns="" xmlns:a14="http://schemas.microsoft.com/office/drawing/2010/main" w="9525">
+              <a14:hiddenLine xmlns:a14="http://schemas.microsoft.com/office/drawing/2010/main" xmlns="" w="9525">
                 <a:solidFill>
                   <a:srgbClr val="000000"/>
                 </a:solidFill>
@@ -9299,14 +9774,14 @@
           </a:ln>
           <a:extLst>
             <a:ext uri="{909E8E84-426E-40dd-AFC4-6F175D3DCCD1}">
-              <a14:hiddenFill xmlns="" xmlns:a14="http://schemas.microsoft.com/office/drawing/2010/main">
+              <a14:hiddenFill xmlns:a14="http://schemas.microsoft.com/office/drawing/2010/main" xmlns="">
                 <a:solidFill>
                   <a:srgbClr val="FFFFFF"/>
                 </a:solidFill>
               </a14:hiddenFill>
             </a:ext>
             <a:ext uri="{91240B29-F687-4f45-9708-019B960494DF}">
-              <a14:hiddenLine xmlns="" xmlns:a14="http://schemas.microsoft.com/office/drawing/2010/main" w="9525">
+              <a14:hiddenLine xmlns:a14="http://schemas.microsoft.com/office/drawing/2010/main" xmlns="" w="9525">
                 <a:solidFill>
                   <a:srgbClr val="000000"/>
                 </a:solidFill>
@@ -9520,14 +9995,14 @@
           </a:ln>
           <a:extLst>
             <a:ext uri="{909E8E84-426E-40dd-AFC4-6F175D3DCCD1}">
-              <a14:hiddenFill xmlns="" xmlns:a14="http://schemas.microsoft.com/office/drawing/2010/main">
+              <a14:hiddenFill xmlns:a14="http://schemas.microsoft.com/office/drawing/2010/main" xmlns="">
                 <a:solidFill>
                   <a:srgbClr val="FFFFFF"/>
                 </a:solidFill>
               </a14:hiddenFill>
             </a:ext>
             <a:ext uri="{91240B29-F687-4f45-9708-019B960494DF}">
-              <a14:hiddenLine xmlns="" xmlns:a14="http://schemas.microsoft.com/office/drawing/2010/main" w="9525">
+              <a14:hiddenLine xmlns:a14="http://schemas.microsoft.com/office/drawing/2010/main" xmlns="" w="9525">
                 <a:solidFill>
                   <a:srgbClr val="000000"/>
                 </a:solidFill>
@@ -9955,7 +10430,7 @@
                 <a:ea typeface="ＭＳ Ｐゴシック" charset="0"/>
                 <a:cs typeface="ＭＳ Ｐゴシック" charset="0"/>
               </a:rPr>
-              <a:t>Not a standard, but a large subset, </a:t>
+              <a:t>Not a standard, but a large subset is as </a:t>
             </a:r>
             <a:r>
               <a:rPr lang="en-US" sz="3200" dirty="0">
@@ -9966,43 +10441,30 @@
               </a:rPr>
               <a:t>Turtle</a:t>
             </a:r>
+            <a:endParaRPr lang="en-US" sz="3200" dirty="0">
+              <a:latin typeface="Calibri" charset="0"/>
+              <a:ea typeface="ＭＳ Ｐゴシック" charset="0"/>
+              <a:cs typeface="ＭＳ Ｐゴシック" charset="0"/>
+            </a:endParaRPr>
+          </a:p>
+          <a:p>
             <a:r>
               <a:rPr lang="en-US" sz="3200" dirty="0">
                 <a:latin typeface="Calibri" charset="0"/>
                 <a:ea typeface="ＭＳ Ｐゴシック" charset="0"/>
                 <a:cs typeface="ＭＳ Ｐゴシック" charset="0"/>
               </a:rPr>
-              <a:t>, is</a:t>
-            </a:r>
-          </a:p>
-          <a:p>
+              <a:t>What’s in N3 but not in Turtle</a:t>
+            </a:r>
+          </a:p>
+          <a:p>
+            <a:pPr lvl="1"/>
             <a:r>
               <a:rPr lang="en-US" sz="3200" dirty="0">
                 <a:latin typeface="Calibri" charset="0"/>
                 <a:ea typeface="ＭＳ Ｐゴシック" charset="0"/>
-                <a:cs typeface="ＭＳ Ｐゴシック" charset="0"/>
-              </a:rPr>
-              <a:t>What’s in N3 but not in Turtle</a:t>
-            </a:r>
-          </a:p>
-          <a:p>
-            <a:pPr lvl="1"/>
-            <a:r>
-              <a:rPr lang="en-US" sz="3200" dirty="0">
-                <a:latin typeface="Calibri" charset="0"/>
-                <a:ea typeface="ＭＳ Ｐゴシック" charset="0"/>
               </a:rPr>
               <a:t>Representing inference rules over RDF triples</a:t>
-            </a:r>
-          </a:p>
-          <a:p>
-            <a:pPr lvl="1"/>
-            <a:r>
-              <a:rPr lang="en-US" sz="3200" dirty="0">
-                <a:latin typeface="Calibri" charset="0"/>
-                <a:ea typeface="ＭＳ Ｐゴシック" charset="0"/>
-              </a:rPr>
-              <a:t>A compact syntax for reification</a:t>
             </a:r>
           </a:p>
           <a:p>
@@ -10154,7 +10616,7 @@
                 <a:ea typeface="ＭＳ Ｐゴシック" charset="0"/>
                 <a:cs typeface="ＭＳ Ｐゴシック" charset="0"/>
               </a:rPr>
-              <a:t>These are represented in RDF, of course, and can read these into CWM just like a data file</a:t>
+              <a:t>These are represented in RDF and can read these into CWM just like a data file</a:t>
             </a:r>
           </a:p>
           <a:p>
@@ -10307,7 +10769,7 @@
           <a:lstStyle/>
           <a:p>
             <a:r>
-              <a:rPr lang="en-US">
+              <a:rPr lang="en-US" dirty="0">
                 <a:latin typeface="Calibri" charset="0"/>
                 <a:ea typeface="ＭＳ Ｐゴシック" charset="0"/>
                 <a:cs typeface="ＭＳ Ｐゴシック" charset="0"/>
@@ -10327,13 +10789,34 @@
             <p:ph idx="1"/>
           </p:nvPr>
         </p:nvSpPr>
-        <p:spPr/>
+        <p:spPr>
+          <a:xfrm>
+            <a:off x="647564" y="1268760"/>
+            <a:ext cx="7848872" cy="5112866"/>
+          </a:xfrm>
+        </p:spPr>
         <p:txBody>
           <a:bodyPr/>
           <a:lstStyle/>
           <a:p>
-            <a:r>
-              <a:rPr lang="en-US" sz="2900" dirty="0">
+            <a:pPr marL="0" indent="0">
+              <a:buNone/>
+            </a:pPr>
+            <a:r>
+              <a:rPr lang="en-US" b="1" dirty="0">
+                <a:latin typeface="Calibri" charset="0"/>
+                <a:ea typeface="ＭＳ Ｐゴシック" charset="0"/>
+                <a:cs typeface="ＭＳ Ｐゴシック" charset="0"/>
+              </a:rPr>
+              <a:t>Consider the following facts in N3/TTL:</a:t>
+            </a:r>
+          </a:p>
+          <a:p>
+            <a:pPr marL="179388" indent="0">
+              <a:buNone/>
+            </a:pPr>
+            <a:r>
+              <a:rPr lang="en-US" sz="2400" dirty="0">
                 <a:latin typeface="Calibri" charset="0"/>
                 <a:ea typeface="ＭＳ Ｐゴシック" charset="0"/>
                 <a:cs typeface="ＭＳ Ｐゴシック" charset="0"/>
@@ -10342,8 +10825,11 @@
             </a:r>
           </a:p>
           <a:p>
-            <a:r>
-              <a:rPr lang="en-US" sz="2900" dirty="0">
+            <a:pPr marL="179388" indent="0">
+              <a:buNone/>
+            </a:pPr>
+            <a:r>
+              <a:rPr lang="en-US" sz="2400" dirty="0">
                 <a:latin typeface="Calibri" charset="0"/>
                 <a:ea typeface="ＭＳ Ｐゴシック" charset="0"/>
                 <a:cs typeface="ＭＳ Ｐゴシック" charset="0"/>
@@ -10351,7 +10837,7 @@
               <a:t>:Man </a:t>
             </a:r>
             <a:r>
-              <a:rPr lang="en-US" sz="2900" dirty="0" err="1">
+              <a:rPr lang="en-US" sz="2400" dirty="0" err="1">
                 <a:latin typeface="Calibri" charset="0"/>
                 <a:ea typeface="ＭＳ Ｐゴシック" charset="0"/>
                 <a:cs typeface="ＭＳ Ｐゴシック" charset="0"/>
@@ -10359,72 +10845,149 @@
               <a:t>rdfs:subclassOf</a:t>
             </a:r>
             <a:r>
-              <a:rPr lang="en-US" sz="2900" dirty="0">
+              <a:rPr lang="en-US" sz="2400" dirty="0">
                 <a:latin typeface="Calibri" charset="0"/>
                 <a:ea typeface="ＭＳ Ｐゴシック" charset="0"/>
                 <a:cs typeface="ＭＳ Ｐゴシック" charset="0"/>
               </a:rPr>
               <a:t> :Human .</a:t>
             </a:r>
+          </a:p>
+          <a:p>
+            <a:pPr marL="179388" indent="0">
+              <a:buNone/>
+            </a:pPr>
+            <a:r>
+              <a:rPr lang="en-US" sz="2400" dirty="0">
+                <a:latin typeface="Calibri" charset="0"/>
+                <a:ea typeface="ＭＳ Ｐゴシック" charset="0"/>
+                <a:cs typeface="ＭＳ Ｐゴシック" charset="0"/>
+              </a:rPr>
+              <a:t>:</a:t>
+            </a:r>
+            <a:r>
+              <a:rPr lang="en-US" sz="2400" dirty="0" err="1">
+                <a:latin typeface="Calibri" charset="0"/>
+                <a:ea typeface="ＭＳ Ｐゴシック" charset="0"/>
+                <a:cs typeface="ＭＳ Ｐゴシック" charset="0"/>
+              </a:rPr>
+              <a:t>YoungMan</a:t>
+            </a:r>
+            <a:r>
+              <a:rPr lang="en-US" sz="2400" dirty="0">
+                <a:latin typeface="Calibri" charset="0"/>
+                <a:ea typeface="ＭＳ Ｐゴシック" charset="0"/>
+                <a:cs typeface="ＭＳ Ｐゴシック" charset="0"/>
+              </a:rPr>
+              <a:t> </a:t>
+            </a:r>
+            <a:r>
+              <a:rPr lang="en-US" sz="2400" dirty="0" err="1">
+                <a:latin typeface="Calibri" charset="0"/>
+                <a:ea typeface="ＭＳ Ｐゴシック" charset="0"/>
+                <a:cs typeface="ＭＳ Ｐゴシック" charset="0"/>
+              </a:rPr>
+              <a:t>rdfs:subclassOf</a:t>
+            </a:r>
+            <a:r>
+              <a:rPr lang="en-US" sz="2400" dirty="0">
+                <a:latin typeface="Calibri" charset="0"/>
+                <a:ea typeface="ＭＳ Ｐゴシック" charset="0"/>
+                <a:cs typeface="ＭＳ Ｐゴシック" charset="0"/>
+              </a:rPr>
+              <a:t> :Man .</a:t>
+            </a:r>
+          </a:p>
+          <a:p>
+            <a:pPr marL="179388" indent="0">
+              <a:buNone/>
+            </a:pPr>
+            <a:r>
+              <a:rPr lang="en-US" sz="2400" dirty="0">
+                <a:latin typeface="Calibri" charset="0"/>
+                <a:ea typeface="ＭＳ Ｐゴシック" charset="0"/>
+                <a:cs typeface="ＭＳ Ｐゴシック" charset="0"/>
+              </a:rPr>
+              <a:t>:</a:t>
+            </a:r>
+            <a:r>
+              <a:rPr lang="en-US" sz="2400" dirty="0" err="1">
+                <a:latin typeface="Calibri" charset="0"/>
+                <a:ea typeface="ＭＳ Ｐゴシック" charset="0"/>
+                <a:cs typeface="ＭＳ Ｐゴシック" charset="0"/>
+              </a:rPr>
+              <a:t>has_father</a:t>
+            </a:r>
+            <a:r>
+              <a:rPr lang="en-US" sz="2400" dirty="0">
+                <a:latin typeface="Calibri" charset="0"/>
+                <a:ea typeface="ＭＳ Ｐゴシック" charset="0"/>
+                <a:cs typeface="ＭＳ Ｐゴシック" charset="0"/>
+              </a:rPr>
+              <a:t> </a:t>
+            </a:r>
+            <a:r>
+              <a:rPr lang="en-US" sz="2400" dirty="0" err="1">
+                <a:latin typeface="Calibri" charset="0"/>
+                <a:ea typeface="ＭＳ Ｐゴシック" charset="0"/>
+                <a:cs typeface="ＭＳ Ｐゴシック" charset="0"/>
+              </a:rPr>
+              <a:t>rdfs:domain</a:t>
+            </a:r>
+            <a:r>
+              <a:rPr lang="en-US" sz="2400" dirty="0">
+                <a:latin typeface="Calibri" charset="0"/>
+                <a:ea typeface="ＭＳ Ｐゴシック" charset="0"/>
+                <a:cs typeface="ＭＳ Ｐゴシック" charset="0"/>
+              </a:rPr>
+              <a:t> :Human; </a:t>
+            </a:r>
+          </a:p>
+          <a:p>
+            <a:pPr marL="179388" indent="0">
+              <a:buNone/>
+            </a:pPr>
+            <a:r>
+              <a:rPr lang="en-US" sz="2400" dirty="0">
+                <a:latin typeface="Calibri" charset="0"/>
+                <a:ea typeface="ＭＳ Ｐゴシック" charset="0"/>
+                <a:cs typeface="ＭＳ Ｐゴシック" charset="0"/>
+              </a:rPr>
+              <a:t>                      </a:t>
+            </a:r>
+            <a:r>
+              <a:rPr lang="en-US" sz="2400" dirty="0" err="1">
+                <a:latin typeface="Calibri" charset="0"/>
+                <a:ea typeface="ＭＳ Ｐゴシック" charset="0"/>
+                <a:cs typeface="ＭＳ Ｐゴシック" charset="0"/>
+              </a:rPr>
+              <a:t>rdfs:range</a:t>
+            </a:r>
+            <a:r>
+              <a:rPr lang="en-US" sz="2400" dirty="0">
+                <a:latin typeface="Calibri" charset="0"/>
+                <a:ea typeface="ＭＳ Ｐゴシック" charset="0"/>
+                <a:cs typeface="ＭＳ Ｐゴシック" charset="0"/>
+              </a:rPr>
+              <a:t> :Man .</a:t>
+            </a:r>
             <a:br>
-              <a:rPr lang="en-US" sz="2900" dirty="0">
+              <a:rPr lang="en-US" sz="2400" dirty="0">
                 <a:latin typeface="Calibri" charset="0"/>
                 <a:ea typeface="ＭＳ Ｐゴシック" charset="0"/>
                 <a:cs typeface="ＭＳ Ｐゴシック" charset="0"/>
               </a:rPr>
             </a:br>
             <a:r>
-              <a:rPr lang="en-US" sz="2900" dirty="0">
-                <a:latin typeface="Calibri" charset="0"/>
-                <a:ea typeface="ＭＳ Ｐゴシック" charset="0"/>
-                <a:cs typeface="ＭＳ Ｐゴシック" charset="0"/>
-              </a:rPr>
-              <a:t>:</a:t>
-            </a:r>
-            <a:r>
-              <a:rPr lang="en-US" sz="2900" dirty="0" err="1">
-                <a:latin typeface="Calibri" charset="0"/>
-                <a:ea typeface="ＭＳ Ｐゴシック" charset="0"/>
-                <a:cs typeface="ＭＳ Ｐゴシック" charset="0"/>
-              </a:rPr>
-              <a:t>YoungMan</a:t>
-            </a:r>
-            <a:r>
-              <a:rPr lang="en-US" sz="2900" dirty="0">
-                <a:latin typeface="Calibri" charset="0"/>
-                <a:ea typeface="ＭＳ Ｐゴシック" charset="0"/>
-                <a:cs typeface="ＭＳ Ｐゴシック" charset="0"/>
-              </a:rPr>
-              <a:t> </a:t>
-            </a:r>
-            <a:r>
-              <a:rPr lang="en-US" sz="2900" dirty="0" err="1">
-                <a:latin typeface="Calibri" charset="0"/>
-                <a:ea typeface="ＭＳ Ｐゴシック" charset="0"/>
-                <a:cs typeface="ＭＳ Ｐゴシック" charset="0"/>
-              </a:rPr>
-              <a:t>rdfs:subclassOf</a:t>
-            </a:r>
-            <a:r>
-              <a:rPr lang="en-US" sz="2900" dirty="0">
-                <a:latin typeface="Calibri" charset="0"/>
-                <a:ea typeface="ＭＳ Ｐゴシック" charset="0"/>
-                <a:cs typeface="ＭＳ Ｐゴシック" charset="0"/>
-              </a:rPr>
-              <a:t> :Man .</a:t>
-            </a:r>
-          </a:p>
-          <a:p>
-            <a:r>
-              <a:rPr lang="en-US" sz="2900" dirty="0">
-                <a:latin typeface="Calibri" charset="0"/>
-                <a:ea typeface="ＭＳ Ｐゴシック" charset="0"/>
-                <a:cs typeface="ＭＳ Ｐゴシック" charset="0"/>
-              </a:rPr>
-              <a:t>:</a:t>
-            </a:r>
-            <a:r>
-              <a:rPr lang="en-US" sz="2900" dirty="0" err="1">
+              <a:rPr lang="en-US" sz="2400" dirty="0">
+                <a:latin typeface="Calibri" charset="0"/>
+                <a:ea typeface="ＭＳ Ｐゴシック" charset="0"/>
+                <a:cs typeface="ＭＳ Ｐゴシック" charset="0"/>
+              </a:rPr>
+              <a:t>:Sara :</a:t>
+            </a:r>
+            <a:r>
+              <a:rPr lang="en-US" sz="2400" dirty="0" err="1">
                 <a:latin typeface="Calibri" charset="0"/>
                 <a:ea typeface="ＭＳ Ｐゴシック" charset="0"/>
                 <a:cs typeface="ＭＳ Ｐゴシック" charset="0"/>
@@ -10432,70 +10995,7 @@
               <a:t>has_father</a:t>
             </a:r>
             <a:r>
-              <a:rPr lang="en-US" sz="2900" dirty="0">
-                <a:latin typeface="Calibri" charset="0"/>
-                <a:ea typeface="ＭＳ Ｐゴシック" charset="0"/>
-                <a:cs typeface="ＭＳ Ｐゴシック" charset="0"/>
-              </a:rPr>
-              <a:t> </a:t>
-            </a:r>
-            <a:r>
-              <a:rPr lang="en-US" sz="2900" dirty="0" err="1">
-                <a:latin typeface="Calibri" charset="0"/>
-                <a:ea typeface="ＭＳ Ｐゴシック" charset="0"/>
-                <a:cs typeface="ＭＳ Ｐゴシック" charset="0"/>
-              </a:rPr>
-              <a:t>rdfs:domain</a:t>
-            </a:r>
-            <a:r>
-              <a:rPr lang="en-US" sz="2900" dirty="0">
-                <a:latin typeface="Calibri" charset="0"/>
-                <a:ea typeface="ＭＳ Ｐゴシック" charset="0"/>
-                <a:cs typeface="ＭＳ Ｐゴシック" charset="0"/>
-              </a:rPr>
-              <a:t> :Human; </a:t>
-            </a:r>
-            <a:r>
-              <a:rPr lang="en-US" sz="2900" dirty="0" err="1">
-                <a:latin typeface="Calibri" charset="0"/>
-                <a:ea typeface="ＭＳ Ｐゴシック" charset="0"/>
-                <a:cs typeface="ＭＳ Ｐゴシック" charset="0"/>
-              </a:rPr>
-              <a:t>rdfs:range</a:t>
-            </a:r>
-            <a:r>
-              <a:rPr lang="en-US" sz="2900" dirty="0">
-                <a:latin typeface="Calibri" charset="0"/>
-                <a:ea typeface="ＭＳ Ｐゴシック" charset="0"/>
-                <a:cs typeface="ＭＳ Ｐゴシック" charset="0"/>
-              </a:rPr>
-              <a:t> :Man .</a:t>
-            </a:r>
-            <a:br>
-              <a:rPr lang="en-US" sz="2900" dirty="0">
-                <a:latin typeface="Calibri" charset="0"/>
-                <a:ea typeface="ＭＳ Ｐゴシック" charset="0"/>
-                <a:cs typeface="ＭＳ Ｐゴシック" charset="0"/>
-              </a:rPr>
-            </a:br>
-            <a:r>
-              <a:rPr lang="en-US" sz="2900" dirty="0">
-                <a:latin typeface="Calibri" charset="0"/>
-                <a:ea typeface="ＭＳ Ｐゴシック" charset="0"/>
-                <a:cs typeface="ＭＳ Ｐゴシック" charset="0"/>
-              </a:rPr>
-              <a:t>:Sara :</a:t>
-            </a:r>
-            <a:r>
-              <a:rPr lang="en-US" sz="2900" dirty="0" err="1">
-                <a:latin typeface="Calibri" charset="0"/>
-                <a:ea typeface="ＭＳ Ｐゴシック" charset="0"/>
-                <a:cs typeface="ＭＳ Ｐゴシック" charset="0"/>
-              </a:rPr>
-              <a:t>has_father</a:t>
-            </a:r>
-            <a:r>
-              <a:rPr lang="en-US" sz="2900" dirty="0">
+              <a:rPr lang="en-US" sz="2400" dirty="0">
                 <a:latin typeface="Calibri" charset="0"/>
                 <a:ea typeface="ＭＳ Ｐゴシック" charset="0"/>
                 <a:cs typeface="ＭＳ Ｐゴシック" charset="0"/>
@@ -10504,145 +11004,54 @@
             </a:r>
           </a:p>
           <a:p>
-            <a:r>
-              <a:rPr lang="en-US" sz="2900" dirty="0">
-                <a:latin typeface="Calibri" charset="0"/>
-                <a:ea typeface="ＭＳ Ｐゴシック" charset="0"/>
-                <a:cs typeface="ＭＳ Ｐゴシック" charset="0"/>
-              </a:rPr>
-              <a:t>{ ?x :</a:t>
-            </a:r>
-            <a:r>
-              <a:rPr lang="en-US" sz="2900" dirty="0" err="1">
-                <a:latin typeface="Calibri" charset="0"/>
-                <a:ea typeface="ＭＳ Ｐゴシック" charset="0"/>
-                <a:cs typeface="ＭＳ Ｐゴシック" charset="0"/>
-              </a:rPr>
-              <a:t>has_parent</a:t>
-            </a:r>
-            <a:r>
-              <a:rPr lang="en-US" sz="2900" dirty="0">
-                <a:latin typeface="Calibri" charset="0"/>
-                <a:ea typeface="ＭＳ Ｐゴシック" charset="0"/>
-                <a:cs typeface="ＭＳ Ｐゴシック" charset="0"/>
-              </a:rPr>
-              <a:t> ?y } =&gt;  { ?y :</a:t>
-            </a:r>
-            <a:r>
-              <a:rPr lang="en-US" sz="2900" dirty="0" err="1">
-                <a:latin typeface="Calibri" charset="0"/>
-                <a:ea typeface="ＭＳ Ｐゴシック" charset="0"/>
-                <a:cs typeface="ＭＳ Ｐゴシック" charset="0"/>
-              </a:rPr>
-              <a:t>has_child</a:t>
-            </a:r>
-            <a:r>
-              <a:rPr lang="en-US" sz="2900" dirty="0">
-                <a:latin typeface="Calibri" charset="0"/>
-                <a:ea typeface="ＭＳ Ｐゴシック" charset="0"/>
-                <a:cs typeface="ＭＳ Ｐゴシック" charset="0"/>
-              </a:rPr>
-              <a:t> ?x } .</a:t>
-            </a:r>
-          </a:p>
-          <a:p>
-            <a:r>
-              <a:rPr lang="en-US" sz="2900" dirty="0">
-                <a:latin typeface="Calibri" charset="0"/>
-                <a:ea typeface="ＭＳ Ｐゴシック" charset="0"/>
-                <a:cs typeface="ＭＳ Ｐゴシック" charset="0"/>
-              </a:rPr>
-              <a:t>{?x :</a:t>
-            </a:r>
-            <a:r>
-              <a:rPr lang="en-US" sz="2900" dirty="0" err="1">
-                <a:latin typeface="Calibri" charset="0"/>
-                <a:ea typeface="ＭＳ Ｐゴシック" charset="0"/>
-                <a:cs typeface="ＭＳ Ｐゴシック" charset="0"/>
-              </a:rPr>
-              <a:t>has_parent</a:t>
-            </a:r>
-            <a:r>
-              <a:rPr lang="en-US" sz="2900" dirty="0">
-                <a:latin typeface="Calibri" charset="0"/>
-                <a:ea typeface="ＭＳ Ｐゴシック" charset="0"/>
-                <a:cs typeface="ＭＳ Ｐゴシック" charset="0"/>
-              </a:rPr>
-              <a:t> ?y. ?y :</a:t>
-            </a:r>
-            <a:r>
-              <a:rPr lang="en-US" sz="2900" dirty="0" err="1">
-                <a:latin typeface="Calibri" charset="0"/>
-                <a:ea typeface="ＭＳ Ｐゴシック" charset="0"/>
-                <a:cs typeface="ＭＳ Ｐゴシック" charset="0"/>
-              </a:rPr>
-              <a:t>has_brother</a:t>
-            </a:r>
-            <a:r>
-              <a:rPr lang="en-US" sz="2900" dirty="0">
-                <a:latin typeface="Calibri" charset="0"/>
-                <a:ea typeface="ＭＳ Ｐゴシック" charset="0"/>
-                <a:cs typeface="ＭＳ Ｐゴシック" charset="0"/>
-              </a:rPr>
-              <a:t> ?z} </a:t>
-            </a:r>
-            <a:br>
-              <a:rPr lang="en-US" sz="2900" dirty="0">
-                <a:latin typeface="Calibri" charset="0"/>
-                <a:ea typeface="ＭＳ Ｐゴシック" charset="0"/>
-                <a:cs typeface="ＭＳ Ｐゴシック" charset="0"/>
-              </a:rPr>
-            </a:br>
-            <a:r>
-              <a:rPr lang="en-US" sz="2900" dirty="0">
-                <a:latin typeface="Calibri" charset="0"/>
-                <a:ea typeface="ＭＳ Ｐゴシック" charset="0"/>
-                <a:cs typeface="ＭＳ Ｐゴシック" charset="0"/>
-              </a:rPr>
-              <a:t>       =&gt; {?x :</a:t>
-            </a:r>
-            <a:r>
-              <a:rPr lang="en-US" sz="2900" dirty="0" err="1">
-                <a:latin typeface="Calibri" charset="0"/>
-                <a:ea typeface="ＭＳ Ｐゴシック" charset="0"/>
-                <a:cs typeface="ＭＳ Ｐゴシック" charset="0"/>
-              </a:rPr>
-              <a:t>has_uncle</a:t>
-            </a:r>
-            <a:r>
-              <a:rPr lang="en-US" sz="2900" dirty="0">
-                <a:latin typeface="Calibri" charset="0"/>
-                <a:ea typeface="ＭＳ Ｐゴシック" charset="0"/>
-                <a:cs typeface="ＭＳ Ｐゴシック" charset="0"/>
-              </a:rPr>
-              <a:t> ?z} .</a:t>
-            </a:r>
-          </a:p>
-          <a:p>
-            <a:r>
-              <a:rPr lang="en-US" sz="2900" dirty="0">
-                <a:latin typeface="Calibri" charset="0"/>
-                <a:ea typeface="ＭＳ Ｐゴシック" charset="0"/>
-                <a:cs typeface="ＭＳ Ｐゴシック" charset="0"/>
-              </a:rPr>
-              <a:t>{ :thermostat :temp ?x.  ?x </a:t>
-            </a:r>
-            <a:r>
-              <a:rPr lang="en-US" sz="2900" dirty="0" err="1">
-                <a:latin typeface="Calibri" charset="0"/>
-                <a:ea typeface="ＭＳ Ｐゴシック" charset="0"/>
-                <a:cs typeface="ＭＳ Ｐゴシック" charset="0"/>
-              </a:rPr>
-              <a:t>math:greaterThan</a:t>
-            </a:r>
-            <a:r>
-              <a:rPr lang="en-US" sz="2900" dirty="0">
-                <a:latin typeface="Calibri" charset="0"/>
-                <a:ea typeface="ＭＳ Ｐゴシック" charset="0"/>
-                <a:cs typeface="ＭＳ Ｐゴシック" charset="0"/>
-              </a:rPr>
-              <a:t> "70" } =&gt; { :cooling :power "high" } .</a:t>
-            </a:r>
+            <a:pPr marL="12700" indent="0">
+              <a:buNone/>
+            </a:pPr>
+            <a:r>
+              <a:rPr lang="en-US" b="1" dirty="0">
+                <a:latin typeface="Calibri" charset="0"/>
+                <a:ea typeface="ＭＳ Ｐゴシック" charset="0"/>
+                <a:cs typeface="ＭＳ Ｐゴシック" charset="0"/>
+              </a:rPr>
+              <a:t>N3 allows to to define rules to infer and add new triples licensed by RDFS</a:t>
+            </a:r>
+          </a:p>
+          <a:p>
+            <a:pPr marL="241300" indent="0">
+              <a:buNone/>
+            </a:pPr>
+            <a:r>
+              <a:rPr lang="en-US" dirty="0"/>
+              <a:t>:Sara a :Human .</a:t>
+            </a:r>
+          </a:p>
+          <a:p>
+            <a:pPr marL="241300" indent="0">
+              <a:buNone/>
+            </a:pPr>
+            <a:r>
+              <a:rPr lang="en-US" dirty="0"/>
+              <a:t>:Alan a :Man .</a:t>
+            </a:r>
+          </a:p>
+          <a:p>
+            <a:pPr marL="241300" indent="0">
+              <a:buNone/>
+            </a:pPr>
+            <a:r>
+              <a:rPr lang="en-US" dirty="0"/>
+              <a:t>:Alan a :Human .</a:t>
+            </a:r>
+          </a:p>
+          <a:p>
+            <a:pPr marL="12700" indent="0">
+              <a:buNone/>
+            </a:pPr>
+            <a:endParaRPr lang="en-US" b="1" dirty="0">
+              <a:latin typeface="Calibri" charset="0"/>
+              <a:ea typeface="ＭＳ Ｐゴシック" charset="0"/>
+              <a:cs typeface="ＭＳ Ｐゴシック" charset="0"/>
+            </a:endParaRPr>
           </a:p>
         </p:txBody>
       </p:sp>
@@ -10673,7 +11082,7 @@
       </p:grpSpPr>
       <p:sp>
         <p:nvSpPr>
-          <p:cNvPr id="15361" name="Title 1"/>
+          <p:cNvPr id="14337" name="Title 1"/>
           <p:cNvSpPr>
             <a:spLocks noGrp="1"/>
           </p:cNvSpPr>
@@ -10687,19 +11096,19 @@
           <a:lstStyle/>
           <a:p>
             <a:r>
-              <a:rPr lang="en-US">
-                <a:latin typeface="Calibri" charset="0"/>
-                <a:ea typeface="ＭＳ Ｐゴシック" charset="0"/>
-                <a:cs typeface="ＭＳ Ｐゴシック" charset="0"/>
-              </a:rPr>
-              <a:t>Implications in logic</a:t>
+              <a:rPr lang="en-US" dirty="0">
+                <a:latin typeface="Calibri" charset="0"/>
+                <a:ea typeface="ＭＳ Ｐゴシック" charset="0"/>
+                <a:cs typeface="ＭＳ Ｐゴシック" charset="0"/>
+              </a:rPr>
+              <a:t>N3 facts and rules</a:t>
             </a:r>
           </a:p>
         </p:txBody>
       </p:sp>
       <p:sp>
         <p:nvSpPr>
-          <p:cNvPr id="15362" name="Content Placeholder 2"/>
+          <p:cNvPr id="14338" name="Content Placeholder 2"/>
           <p:cNvSpPr>
             <a:spLocks noGrp="1"/>
           </p:cNvSpPr>
@@ -10709,208 +11118,213 @@
         </p:nvSpPr>
         <p:spPr>
           <a:xfrm>
-            <a:off x="395288" y="1209675"/>
-            <a:ext cx="8569200" cy="5459685"/>
+            <a:off x="647564" y="1268760"/>
+            <a:ext cx="7848872" cy="5112866"/>
           </a:xfrm>
         </p:spPr>
         <p:txBody>
           <a:bodyPr/>
           <a:lstStyle/>
           <a:p>
-            <a:r>
-              <a:rPr lang="en-US" sz="3200" dirty="0">
-                <a:latin typeface="Calibri" charset="0"/>
-                <a:ea typeface="ＭＳ Ｐゴシック" charset="0"/>
-                <a:cs typeface="ＭＳ Ｐゴシック" charset="0"/>
-              </a:rPr>
-              <a:t>In logic, an implication is a sentence that is either </a:t>
-            </a:r>
-            <a:r>
-              <a:rPr lang="en-US" sz="3200" i="1" dirty="0">
-                <a:latin typeface="Calibri" charset="0"/>
-                <a:ea typeface="ＭＳ Ｐゴシック" charset="0"/>
-                <a:cs typeface="ＭＳ Ｐゴシック" charset="0"/>
-              </a:rPr>
-              <a:t>true</a:t>
-            </a:r>
-            <a:r>
-              <a:rPr lang="en-US" sz="3200" dirty="0">
-                <a:latin typeface="Calibri" charset="0"/>
-                <a:ea typeface="ＭＳ Ｐゴシック" charset="0"/>
-                <a:cs typeface="ＭＳ Ｐゴシック" charset="0"/>
-              </a:rPr>
-              <a:t> or </a:t>
-            </a:r>
-            <a:r>
-              <a:rPr lang="en-US" sz="3200" i="1" dirty="0">
-                <a:latin typeface="Calibri" charset="0"/>
-                <a:ea typeface="ＭＳ Ｐゴシック" charset="0"/>
-                <a:cs typeface="ＭＳ Ｐゴシック" charset="0"/>
-              </a:rPr>
-              <a:t>false</a:t>
-            </a:r>
-          </a:p>
-          <a:p>
-            <a:pPr lvl="1"/>
-            <a:r>
-              <a:rPr lang="en-US" sz="2800" dirty="0" err="1">
-                <a:latin typeface="Calibri" charset="0"/>
-                <a:ea typeface="ＭＳ Ｐゴシック" charset="0"/>
-              </a:rPr>
-              <a:t>Forall</a:t>
-            </a:r>
-            <a:r>
-              <a:rPr lang="en-US" sz="2800" dirty="0">
-                <a:latin typeface="Calibri" charset="0"/>
-                <a:ea typeface="ＭＳ Ｐゴシック" charset="0"/>
-              </a:rPr>
-              <a:t> </a:t>
-            </a:r>
-            <a:r>
-              <a:rPr lang="en-US" sz="2800" i="1" dirty="0">
-                <a:latin typeface="Calibri" charset="0"/>
-                <a:ea typeface="ＭＳ Ｐゴシック" charset="0"/>
-              </a:rPr>
-              <a:t>x</a:t>
-            </a:r>
-            <a:r>
-              <a:rPr lang="en-US" sz="2800" dirty="0">
-                <a:latin typeface="Calibri" charset="0"/>
-                <a:ea typeface="ＭＳ Ｐゴシック" charset="0"/>
-              </a:rPr>
-              <a:t> man(</a:t>
-            </a:r>
-            <a:r>
-              <a:rPr lang="en-US" sz="2800" i="1" dirty="0">
-                <a:latin typeface="Calibri" charset="0"/>
-                <a:ea typeface="ＭＳ Ｐゴシック" charset="0"/>
-              </a:rPr>
-              <a:t>x</a:t>
-            </a:r>
-            <a:r>
-              <a:rPr lang="en-US" sz="2800" dirty="0">
-                <a:latin typeface="Calibri" charset="0"/>
-                <a:ea typeface="ＭＳ Ｐゴシック" charset="0"/>
-              </a:rPr>
-              <a:t>) =&gt; mortal(</a:t>
-            </a:r>
-            <a:r>
-              <a:rPr lang="en-US" sz="2800" i="1" dirty="0">
-                <a:latin typeface="Calibri" charset="0"/>
-                <a:ea typeface="ＭＳ Ｐゴシック" charset="0"/>
-              </a:rPr>
-              <a:t>x</a:t>
-            </a:r>
-            <a:r>
-              <a:rPr lang="en-US" sz="2800" dirty="0">
-                <a:latin typeface="Calibri" charset="0"/>
-                <a:ea typeface="ＭＳ Ｐゴシック" charset="0"/>
-              </a:rPr>
-              <a:t>)</a:t>
-            </a:r>
-          </a:p>
-          <a:p>
-            <a:r>
-              <a:rPr lang="en-US" sz="3200" dirty="0">
-                <a:latin typeface="Calibri" charset="0"/>
-                <a:ea typeface="ＭＳ Ｐゴシック" charset="0"/>
-                <a:cs typeface="ＭＳ Ｐゴシック" charset="0"/>
-              </a:rPr>
-              <a:t>Of course, we may not know if it’s true or false</a:t>
-            </a:r>
-          </a:p>
-          <a:p>
-            <a:r>
-              <a:rPr lang="en-US" sz="3200" dirty="0">
-                <a:latin typeface="Calibri" charset="0"/>
-                <a:ea typeface="ＭＳ Ｐゴシック" charset="0"/>
-                <a:cs typeface="ＭＳ Ｐゴシック" charset="0"/>
-              </a:rPr>
-              <a:t>If we believe an implication is true, we can use it to derive new true sentences from others we believe true</a:t>
-            </a:r>
-          </a:p>
-          <a:p>
-            <a:pPr lvl="1"/>
-            <a:r>
-              <a:rPr lang="en-US" sz="2800" i="1" dirty="0">
-                <a:latin typeface="Calibri" charset="0"/>
-                <a:ea typeface="ＭＳ Ｐゴシック" charset="0"/>
-              </a:rPr>
-              <a:t>man(</a:t>
-            </a:r>
-            <a:r>
-              <a:rPr lang="en-US" sz="2800" i="1" dirty="0" err="1">
-                <a:latin typeface="Calibri" charset="0"/>
-                <a:ea typeface="ＭＳ Ｐゴシック" charset="0"/>
-              </a:rPr>
-              <a:t>socrates</a:t>
-            </a:r>
-            <a:r>
-              <a:rPr lang="en-US" sz="2800" i="1" dirty="0">
-                <a:latin typeface="Calibri" charset="0"/>
-                <a:ea typeface="ＭＳ Ｐゴシック" charset="0"/>
-              </a:rPr>
-              <a:t>) </a:t>
-            </a:r>
-            <a:r>
-              <a:rPr lang="en-US" sz="2800" dirty="0">
-                <a:latin typeface="Calibri" charset="0"/>
-                <a:ea typeface="ＭＳ Ｐゴシック" charset="0"/>
-              </a:rPr>
-              <a:t>therefore </a:t>
-            </a:r>
-            <a:r>
-              <a:rPr lang="en-US" sz="2800" i="1" dirty="0">
-                <a:latin typeface="Calibri" charset="0"/>
-                <a:ea typeface="ＭＳ Ｐゴシック" charset="0"/>
-              </a:rPr>
-              <a:t>mortal(</a:t>
-            </a:r>
-            <a:r>
-              <a:rPr lang="en-US" sz="2800" i="1" dirty="0" err="1">
-                <a:latin typeface="Calibri" charset="0"/>
-                <a:ea typeface="ＭＳ Ｐゴシック" charset="0"/>
-              </a:rPr>
-              <a:t>socrates</a:t>
-            </a:r>
-            <a:r>
-              <a:rPr lang="en-US" sz="2800" i="1" dirty="0">
-                <a:latin typeface="Calibri" charset="0"/>
-                <a:ea typeface="ＭＳ Ｐゴシック" charset="0"/>
-              </a:rPr>
-              <a:t>)</a:t>
-            </a:r>
-          </a:p>
-          <a:p>
-            <a:r>
-              <a:rPr lang="en-US" sz="3200" dirty="0">
-                <a:latin typeface="Calibri" charset="0"/>
-                <a:ea typeface="ＭＳ Ｐゴシック" charset="0"/>
-                <a:cs typeface="ＭＳ Ｐゴシック" charset="0"/>
-              </a:rPr>
-              <a:t>This is the basis for rule based reasoning systems</a:t>
-            </a:r>
-          </a:p>
-          <a:p>
-            <a:pPr lvl="1"/>
-            <a:r>
-              <a:rPr lang="en-US" sz="2800" dirty="0">
-                <a:latin typeface="Calibri" charset="0"/>
-                <a:ea typeface="ＭＳ Ｐゴシック" charset="0"/>
-              </a:rPr>
-              <a:t>Prolog, Datalog, Jess, etc.</a:t>
-            </a:r>
-          </a:p>
-          <a:p>
-            <a:endParaRPr lang="en-US" sz="3200" dirty="0">
+            <a:pPr marL="0" indent="0">
+              <a:buNone/>
+            </a:pPr>
+            <a:r>
+              <a:rPr lang="en-US" b="1" dirty="0">
+                <a:latin typeface="Calibri" charset="0"/>
+                <a:ea typeface="ＭＳ Ｐゴシック" charset="0"/>
+                <a:cs typeface="ＭＳ Ｐゴシック" charset="0"/>
+              </a:rPr>
+              <a:t>We can also add rules for a domain to a knowledge graph:</a:t>
+            </a:r>
+          </a:p>
+          <a:p>
+            <a:pPr marL="0" indent="0">
+              <a:buNone/>
+            </a:pPr>
+            <a:endParaRPr lang="en-US" b="1" dirty="0">
               <a:latin typeface="Calibri" charset="0"/>
               <a:ea typeface="ＭＳ Ｐゴシック" charset="0"/>
               <a:cs typeface="ＭＳ Ｐゴシック" charset="0"/>
             </a:endParaRPr>
           </a:p>
+          <a:p>
+            <a:pPr marL="0" indent="0">
+              <a:lnSpc>
+                <a:spcPct val="114000"/>
+              </a:lnSpc>
+              <a:buNone/>
+            </a:pPr>
+            <a:r>
+              <a:rPr lang="en-US" dirty="0">
+                <a:latin typeface="Calibri" charset="0"/>
+                <a:ea typeface="ＭＳ Ｐゴシック" charset="0"/>
+                <a:cs typeface="ＭＳ Ｐゴシック" charset="0"/>
+              </a:rPr>
+              <a:t>{ ?x :</a:t>
+            </a:r>
+            <a:r>
+              <a:rPr lang="en-US" dirty="0" err="1">
+                <a:latin typeface="Calibri" charset="0"/>
+                <a:ea typeface="ＭＳ Ｐゴシック" charset="0"/>
+                <a:cs typeface="ＭＳ Ｐゴシック" charset="0"/>
+              </a:rPr>
+              <a:t>has_parent</a:t>
+            </a:r>
+            <a:r>
+              <a:rPr lang="en-US" dirty="0">
+                <a:latin typeface="Calibri" charset="0"/>
+                <a:ea typeface="ＭＳ Ｐゴシック" charset="0"/>
+                <a:cs typeface="ＭＳ Ｐゴシック" charset="0"/>
+              </a:rPr>
+              <a:t> ?y } =&gt;  { ?y :</a:t>
+            </a:r>
+            <a:r>
+              <a:rPr lang="en-US" dirty="0" err="1">
+                <a:latin typeface="Calibri" charset="0"/>
+                <a:ea typeface="ＭＳ Ｐゴシック" charset="0"/>
+                <a:cs typeface="ＭＳ Ｐゴシック" charset="0"/>
+              </a:rPr>
+              <a:t>has_child</a:t>
+            </a:r>
+            <a:r>
+              <a:rPr lang="en-US" dirty="0">
+                <a:latin typeface="Calibri" charset="0"/>
+                <a:ea typeface="ＭＳ Ｐゴシック" charset="0"/>
+                <a:cs typeface="ＭＳ Ｐゴシック" charset="0"/>
+              </a:rPr>
+              <a:t> ?x } .</a:t>
+            </a:r>
+          </a:p>
+          <a:p>
+            <a:pPr marL="0" indent="0">
+              <a:lnSpc>
+                <a:spcPct val="114000"/>
+              </a:lnSpc>
+              <a:buNone/>
+            </a:pPr>
+            <a:r>
+              <a:rPr lang="en-US" dirty="0">
+                <a:latin typeface="Calibri" charset="0"/>
+                <a:ea typeface="ＭＳ Ｐゴシック" charset="0"/>
+                <a:cs typeface="ＭＳ Ｐゴシック" charset="0"/>
+              </a:rPr>
+              <a:t>{?x :</a:t>
+            </a:r>
+            <a:r>
+              <a:rPr lang="en-US" dirty="0" err="1">
+                <a:latin typeface="Calibri" charset="0"/>
+                <a:ea typeface="ＭＳ Ｐゴシック" charset="0"/>
+                <a:cs typeface="ＭＳ Ｐゴシック" charset="0"/>
+              </a:rPr>
+              <a:t>has_parent</a:t>
+            </a:r>
+            <a:r>
+              <a:rPr lang="en-US" dirty="0">
+                <a:latin typeface="Calibri" charset="0"/>
+                <a:ea typeface="ＭＳ Ｐゴシック" charset="0"/>
+                <a:cs typeface="ＭＳ Ｐゴシック" charset="0"/>
+              </a:rPr>
+              <a:t> ?y. ?y :</a:t>
+            </a:r>
+            <a:r>
+              <a:rPr lang="en-US" dirty="0" err="1">
+                <a:latin typeface="Calibri" charset="0"/>
+                <a:ea typeface="ＭＳ Ｐゴシック" charset="0"/>
+                <a:cs typeface="ＭＳ Ｐゴシック" charset="0"/>
+              </a:rPr>
+              <a:t>has_brother</a:t>
+            </a:r>
+            <a:r>
+              <a:rPr lang="en-US" dirty="0">
+                <a:latin typeface="Calibri" charset="0"/>
+                <a:ea typeface="ＭＳ Ｐゴシック" charset="0"/>
+                <a:cs typeface="ＭＳ Ｐゴシック" charset="0"/>
+              </a:rPr>
+              <a:t> ?z} </a:t>
+            </a:r>
+            <a:br>
+              <a:rPr lang="en-US" dirty="0">
+                <a:latin typeface="Calibri" charset="0"/>
+                <a:ea typeface="ＭＳ Ｐゴシック" charset="0"/>
+                <a:cs typeface="ＭＳ Ｐゴシック" charset="0"/>
+              </a:rPr>
+            </a:br>
+            <a:r>
+              <a:rPr lang="en-US" dirty="0">
+                <a:latin typeface="Calibri" charset="0"/>
+                <a:ea typeface="ＭＳ Ｐゴシック" charset="0"/>
+                <a:cs typeface="ＭＳ Ｐゴシック" charset="0"/>
+              </a:rPr>
+              <a:t>       =&gt; {?x :</a:t>
+            </a:r>
+            <a:r>
+              <a:rPr lang="en-US" dirty="0" err="1">
+                <a:latin typeface="Calibri" charset="0"/>
+                <a:ea typeface="ＭＳ Ｐゴシック" charset="0"/>
+                <a:cs typeface="ＭＳ Ｐゴシック" charset="0"/>
+              </a:rPr>
+              <a:t>has_uncle</a:t>
+            </a:r>
+            <a:r>
+              <a:rPr lang="en-US" dirty="0">
+                <a:latin typeface="Calibri" charset="0"/>
+                <a:ea typeface="ＭＳ Ｐゴシック" charset="0"/>
+                <a:cs typeface="ＭＳ Ｐゴシック" charset="0"/>
+              </a:rPr>
+              <a:t> ?z} .</a:t>
+            </a:r>
+          </a:p>
+          <a:p>
+            <a:pPr marL="0" indent="0">
+              <a:lnSpc>
+                <a:spcPct val="114000"/>
+              </a:lnSpc>
+              <a:buNone/>
+            </a:pPr>
+            <a:r>
+              <a:rPr lang="en-US" dirty="0">
+                <a:latin typeface="Calibri" charset="0"/>
+                <a:ea typeface="ＭＳ Ｐゴシック" charset="0"/>
+                <a:cs typeface="ＭＳ Ｐゴシック" charset="0"/>
+              </a:rPr>
+              <a:t>{ :thermostat :temp ?x.  ?x </a:t>
+            </a:r>
+            <a:r>
+              <a:rPr lang="en-US" dirty="0" err="1">
+                <a:latin typeface="Calibri" charset="0"/>
+                <a:ea typeface="ＭＳ Ｐゴシック" charset="0"/>
+                <a:cs typeface="ＭＳ Ｐゴシック" charset="0"/>
+              </a:rPr>
+              <a:t>math:greaterThan</a:t>
+            </a:r>
+            <a:r>
+              <a:rPr lang="en-US" dirty="0">
+                <a:latin typeface="Calibri" charset="0"/>
+                <a:ea typeface="ＭＳ Ｐゴシック" charset="0"/>
+                <a:cs typeface="ＭＳ Ｐゴシック" charset="0"/>
+              </a:rPr>
+              <a:t> "70" } =&gt; { :cooling :power "high" } .</a:t>
+            </a:r>
+          </a:p>
+          <a:p>
+            <a:pPr marL="12700" indent="0">
+              <a:buNone/>
+            </a:pPr>
+            <a:endParaRPr lang="en-US" b="1" dirty="0">
+              <a:latin typeface="Calibri" charset="0"/>
+              <a:ea typeface="ＭＳ Ｐゴシック" charset="0"/>
+              <a:cs typeface="ＭＳ Ｐゴシック" charset="0"/>
+            </a:endParaRPr>
+          </a:p>
         </p:txBody>
       </p:sp>
     </p:spTree>
+    <p:extLst>
+      <p:ext uri="{BB962C8B-B14F-4D97-AF65-F5344CB8AC3E}">
+        <p14:creationId xmlns:p14="http://schemas.microsoft.com/office/powerpoint/2010/main" val="743264402"/>
+      </p:ext>
+    </p:extLst>
   </p:cSld>
   <p:clrMapOvr>
     <a:masterClrMapping/>
